--- a/poster/poster3.pptx
+++ b/poster/poster3.pptx
@@ -7150,7 +7150,7 @@
         </p:nvSpPr>
         <p:spPr>
           <a:xfrm>
-            <a:off x="481900" y="28437615"/>
+            <a:off x="378853" y="28529693"/>
             <a:ext cx="13753328" cy="3470758"/>
           </a:xfrm>
           <a:prstGeom prst="rect">
@@ -9238,7 +9238,7 @@
         </p:nvSpPr>
         <p:spPr>
           <a:xfrm>
-            <a:off x="21301306" y="12434010"/>
+            <a:off x="20938138" y="12375365"/>
             <a:ext cx="9138337" cy="430887"/>
           </a:xfrm>
           <a:prstGeom prst="rect">
@@ -10017,7 +10017,7 @@
         </p:nvGrpSpPr>
         <p:grpSpPr>
           <a:xfrm>
-            <a:off x="269266" y="27274026"/>
+            <a:off x="269055" y="27435987"/>
             <a:ext cx="14089036" cy="1092572"/>
             <a:chOff x="539173" y="22869404"/>
             <a:chExt cx="13608627" cy="1308051"/>
@@ -10265,7 +10265,7 @@
         </p:nvGrpSpPr>
         <p:grpSpPr>
           <a:xfrm>
-            <a:off x="7770005" y="38263990"/>
+            <a:off x="7975365" y="38537497"/>
             <a:ext cx="4966453" cy="3575649"/>
             <a:chOff x="7859946" y="38866261"/>
             <a:chExt cx="4966453" cy="3575649"/>
@@ -11825,8 +11825,8 @@
         </p:nvSpPr>
         <p:spPr>
           <a:xfrm>
-            <a:off x="-184926" y="26633322"/>
-            <a:ext cx="13877474" cy="430887"/>
+            <a:off x="542364" y="26796076"/>
+            <a:ext cx="11188831" cy="430887"/>
           </a:xfrm>
           <a:prstGeom prst="rect">
             <a:avLst/>
@@ -11839,20 +11839,60 @@
           </a:bodyPr>
           <a:lstStyle/>
           <a:p>
-            <a:pPr algn="ctr"/>
             <a:r>
               <a:rPr lang="en-IN" sz="2200" dirty="0"/>
               <a:t>Fig 2: Execution time of static A* and dynamic A*(only insertions) on graph Wiki-Talk</a:t>
+            </a:r>
+          </a:p>
+        </p:txBody>
+      </p:sp>
+      <p:sp>
+        <p:nvSpPr>
+          <p:cNvPr id="260" name="TextBox 259">
+            <a:extLst>
+              <a:ext uri="{FF2B5EF4-FFF2-40B4-BE49-F238E27FC236}">
+                <a16:creationId xmlns:a16="http://schemas.microsoft.com/office/drawing/2014/main" id="{C3FA4C98-1178-457A-8A7C-5D7EC027CB66}"/>
+              </a:ext>
+            </a:extLst>
+          </p:cNvPr>
+          <p:cNvSpPr txBox="1"/>
+          <p:nvPr/>
+        </p:nvSpPr>
+        <p:spPr>
+          <a:xfrm>
+            <a:off x="10461161" y="24968192"/>
+            <a:ext cx="2760879" cy="553998"/>
+          </a:xfrm>
+          <a:prstGeom prst="rect">
+            <a:avLst/>
+          </a:prstGeom>
+          <a:noFill/>
+        </p:spPr>
+        <p:txBody>
+          <a:bodyPr wrap="square" rtlCol="0">
+            <a:spAutoFit/>
+          </a:bodyPr>
+          <a:lstStyle/>
+          <a:p>
+            <a:r>
+              <a:rPr lang="en-IN" sz="3000" b="1" dirty="0">
+                <a:solidFill>
+                  <a:srgbClr val="000760"/>
+                </a:solidFill>
+                <a:latin typeface="Montserrat Semi Bold" panose="00000700000000000000" pitchFamily="50" charset="0"/>
+                <a:ea typeface="Roboto" panose="02000000000000000000" pitchFamily="2" charset="0"/>
+              </a:rPr>
+              <a:t>Dynamic A*</a:t>
             </a:r>
           </a:p>
         </p:txBody>
       </p:sp>
       <p:grpSp>
         <p:nvGrpSpPr>
-          <p:cNvPr id="7" name="Group 6">
+          <p:cNvPr id="8" name="Group 7">
             <a:extLst>
               <a:ext uri="{FF2B5EF4-FFF2-40B4-BE49-F238E27FC236}">
-                <a16:creationId xmlns:a16="http://schemas.microsoft.com/office/drawing/2014/main" id="{4C6BD1B2-897B-4169-BAD9-381E7366809E}"/>
+                <a16:creationId xmlns:a16="http://schemas.microsoft.com/office/drawing/2014/main" id="{A2C7B5DF-21D4-4738-B839-669E394F53E3}"/>
               </a:ext>
             </a:extLst>
           </p:cNvPr>
@@ -11861,10 +11901,10 @@
         </p:nvGrpSpPr>
         <p:grpSpPr>
           <a:xfrm>
-            <a:off x="481900" y="22820160"/>
-            <a:ext cx="12170516" cy="3821947"/>
-            <a:chOff x="450593" y="23001398"/>
-            <a:chExt cx="12170516" cy="3821947"/>
+            <a:off x="269055" y="22918420"/>
+            <a:ext cx="12245709" cy="3821947"/>
+            <a:chOff x="481900" y="22820160"/>
+            <a:chExt cx="12245709" cy="3821947"/>
           </a:xfrm>
         </p:grpSpPr>
         <p:sp>
@@ -11881,7 +11921,7 @@
           </p:nvSpPr>
           <p:spPr>
             <a:xfrm>
-              <a:off x="659187" y="26004239"/>
+              <a:off x="690494" y="25823001"/>
               <a:ext cx="524201" cy="418339"/>
             </a:xfrm>
             <a:prstGeom prst="rect">
@@ -11919,7 +11959,7 @@
           </p:nvSpPr>
           <p:spPr>
             <a:xfrm>
-              <a:off x="2540848" y="26010538"/>
+              <a:off x="2572155" y="25829300"/>
               <a:ext cx="524201" cy="418339"/>
             </a:xfrm>
             <a:prstGeom prst="rect">
@@ -11957,7 +11997,7 @@
           </p:nvSpPr>
           <p:spPr>
             <a:xfrm>
-              <a:off x="6105473" y="26017154"/>
+              <a:off x="6136780" y="25835916"/>
               <a:ext cx="635437" cy="418339"/>
             </a:xfrm>
             <a:prstGeom prst="rect">
@@ -11995,7 +12035,7 @@
           </p:nvSpPr>
           <p:spPr>
             <a:xfrm>
-              <a:off x="7995796" y="26017154"/>
+              <a:off x="8027103" y="25835916"/>
               <a:ext cx="635416" cy="418339"/>
             </a:xfrm>
             <a:prstGeom prst="rect">
@@ -12033,7 +12073,7 @@
           </p:nvGrpSpPr>
           <p:grpSpPr>
             <a:xfrm>
-              <a:off x="826985" y="23116459"/>
+              <a:off x="858292" y="22935221"/>
               <a:ext cx="7413225" cy="2927654"/>
               <a:chOff x="826931" y="28172980"/>
               <a:chExt cx="7387104" cy="3387424"/>
@@ -12269,7 +12309,7 @@
           </p:nvSpPr>
           <p:spPr>
             <a:xfrm>
-              <a:off x="4288969" y="26004238"/>
+              <a:off x="4320276" y="25823000"/>
               <a:ext cx="567817" cy="418339"/>
             </a:xfrm>
             <a:prstGeom prst="rect">
@@ -12307,7 +12347,7 @@
           </p:nvSpPr>
           <p:spPr>
             <a:xfrm>
-              <a:off x="836138" y="23475428"/>
+              <a:off x="867445" y="23294190"/>
               <a:ext cx="6977830" cy="675776"/>
             </a:xfrm>
             <a:prstGeom prst="rect">
@@ -12362,7 +12402,7 @@
           </p:nvSpPr>
           <p:spPr>
             <a:xfrm>
-              <a:off x="826986" y="24689376"/>
+              <a:off x="858293" y="24508138"/>
               <a:ext cx="1613804" cy="841089"/>
             </a:xfrm>
             <a:prstGeom prst="rect">
@@ -12434,8 +12474,8 @@
           </p:blipFill>
           <p:spPr>
             <a:xfrm flipH="1">
-              <a:off x="9523287" y="23265315"/>
-              <a:ext cx="982776" cy="982776"/>
+              <a:off x="8951630" y="23080891"/>
+              <a:ext cx="1328799" cy="1328799"/>
             </a:xfrm>
             <a:prstGeom prst="rect">
               <a:avLst/>
@@ -12473,56 +12513,14 @@
           </p:blipFill>
           <p:spPr>
             <a:xfrm>
-              <a:off x="9637944" y="24407989"/>
-              <a:ext cx="777981" cy="777981"/>
+              <a:off x="9036334" y="24819699"/>
+              <a:ext cx="1092571" cy="1092571"/>
             </a:xfrm>
             <a:prstGeom prst="rect">
               <a:avLst/>
             </a:prstGeom>
           </p:spPr>
         </p:pic>
-        <p:sp>
-          <p:nvSpPr>
-            <p:cNvPr id="260" name="TextBox 259">
-              <a:extLst>
-                <a:ext uri="{FF2B5EF4-FFF2-40B4-BE49-F238E27FC236}">
-                  <a16:creationId xmlns:a16="http://schemas.microsoft.com/office/drawing/2014/main" id="{C3FA4C98-1178-457A-8A7C-5D7EC027CB66}"/>
-                </a:ext>
-              </a:extLst>
-            </p:cNvPr>
-            <p:cNvSpPr txBox="1"/>
-            <p:nvPr/>
-          </p:nvSpPr>
-          <p:spPr>
-            <a:xfrm>
-              <a:off x="10449401" y="24565800"/>
-              <a:ext cx="2171708" cy="477054"/>
-            </a:xfrm>
-            <a:prstGeom prst="rect">
-              <a:avLst/>
-            </a:prstGeom>
-            <a:noFill/>
-          </p:spPr>
-          <p:txBody>
-            <a:bodyPr wrap="square" rtlCol="0">
-              <a:spAutoFit/>
-            </a:bodyPr>
-            <a:lstStyle/>
-            <a:p>
-              <a:pPr algn="ctr"/>
-              <a:r>
-                <a:rPr lang="en-IN" sz="2500" b="1" dirty="0">
-                  <a:solidFill>
-                    <a:srgbClr val="000760"/>
-                  </a:solidFill>
-                  <a:latin typeface="Montserrat Semi Bold" panose="00000700000000000000" pitchFamily="50" charset="0"/>
-                  <a:ea typeface="Roboto" panose="02000000000000000000" pitchFamily="2" charset="0"/>
-                </a:rPr>
-                <a:t>Dynamic A*</a:t>
-              </a:r>
-            </a:p>
-          </p:txBody>
-        </p:sp>
         <p:sp>
           <p:nvSpPr>
             <p:cNvPr id="261" name="TextBox 260">
@@ -12537,8 +12535,8 @@
           </p:nvSpPr>
           <p:spPr>
             <a:xfrm>
-              <a:off x="10454297" y="23609054"/>
-              <a:ext cx="1862852" cy="477054"/>
+              <a:off x="10461152" y="23433002"/>
+              <a:ext cx="2266457" cy="553998"/>
             </a:xfrm>
             <a:prstGeom prst="rect">
               <a:avLst/>
@@ -12551,9 +12549,8 @@
             </a:bodyPr>
             <a:lstStyle/>
             <a:p>
-              <a:pPr algn="ctr"/>
               <a:r>
-                <a:rPr lang="en-IN" sz="2500" dirty="0">
+                <a:rPr lang="en-IN" sz="3000" dirty="0">
                   <a:solidFill>
                     <a:schemeClr val="accent4">
                       <a:lumMod val="75000"/>
@@ -12581,7 +12578,7 @@
           </p:nvSpPr>
           <p:spPr>
             <a:xfrm>
-              <a:off x="450593" y="26392458"/>
+              <a:off x="481900" y="26211220"/>
               <a:ext cx="7437157" cy="430887"/>
             </a:xfrm>
             <a:prstGeom prst="rect">
@@ -12637,7 +12634,7 @@
           </p:blipFill>
           <p:spPr>
             <a:xfrm flipH="1">
-              <a:off x="762545" y="23213542"/>
+              <a:off x="793852" y="23032304"/>
               <a:ext cx="1254904" cy="1230022"/>
             </a:xfrm>
             <a:prstGeom prst="rect">
@@ -12676,7 +12673,7 @@
           </p:blipFill>
           <p:spPr>
             <a:xfrm flipH="1">
-              <a:off x="1974790" y="23208849"/>
+              <a:off x="2006097" y="23027611"/>
               <a:ext cx="1245455" cy="1245455"/>
             </a:xfrm>
             <a:prstGeom prst="rect">
@@ -12715,7 +12712,7 @@
           </p:blipFill>
           <p:spPr>
             <a:xfrm flipH="1">
-              <a:off x="3197472" y="23206798"/>
+              <a:off x="3228779" y="23025560"/>
               <a:ext cx="1226385" cy="1226385"/>
             </a:xfrm>
             <a:prstGeom prst="rect">
@@ -12754,7 +12751,7 @@
           </p:blipFill>
           <p:spPr>
             <a:xfrm flipH="1">
-              <a:off x="4443806" y="23201594"/>
+              <a:off x="4475113" y="23020356"/>
               <a:ext cx="1226386" cy="1226386"/>
             </a:xfrm>
             <a:prstGeom prst="rect">
@@ -12793,7 +12790,7 @@
           </p:blipFill>
           <p:spPr>
             <a:xfrm flipH="1">
-              <a:off x="5649353" y="23179588"/>
+              <a:off x="5680660" y="22998350"/>
               <a:ext cx="1226386" cy="1226386"/>
             </a:xfrm>
             <a:prstGeom prst="rect">
@@ -12832,7 +12829,7 @@
           </p:blipFill>
           <p:spPr>
             <a:xfrm flipH="1">
-              <a:off x="6768512" y="23201594"/>
+              <a:off x="6799819" y="23020356"/>
               <a:ext cx="1217377" cy="1217377"/>
             </a:xfrm>
             <a:prstGeom prst="rect">
@@ -12854,7 +12851,7 @@
           </p:nvSpPr>
           <p:spPr>
             <a:xfrm>
-              <a:off x="7787855" y="23487713"/>
+              <a:off x="7819162" y="23306475"/>
               <a:ext cx="426236" cy="675776"/>
             </a:xfrm>
             <a:prstGeom prst="rect">
@@ -12923,7 +12920,7 @@
           </p:blipFill>
           <p:spPr>
             <a:xfrm>
-              <a:off x="836139" y="24712836"/>
+              <a:off x="867446" y="24531598"/>
               <a:ext cx="930496" cy="841089"/>
             </a:xfrm>
             <a:prstGeom prst="rect">
@@ -12962,7 +12959,7 @@
           </p:blipFill>
           <p:spPr>
             <a:xfrm>
-              <a:off x="1827146" y="24758892"/>
+              <a:off x="1858453" y="24577654"/>
               <a:ext cx="738250" cy="810294"/>
             </a:xfrm>
             <a:prstGeom prst="rect">
@@ -12984,7 +12981,7 @@
           </p:nvSpPr>
           <p:spPr>
             <a:xfrm>
-              <a:off x="2181871" y="24690412"/>
+              <a:off x="2213178" y="24509174"/>
               <a:ext cx="499201" cy="880003"/>
             </a:xfrm>
             <a:prstGeom prst="rect">
@@ -13036,7 +13033,7 @@
           </p:nvSpPr>
           <p:spPr>
             <a:xfrm>
-              <a:off x="6801590" y="23001398"/>
+              <a:off x="6832897" y="22820160"/>
               <a:ext cx="1213062" cy="461665"/>
             </a:xfrm>
             <a:prstGeom prst="rect">
@@ -13078,7 +13075,7 @@
           </p:nvSpPr>
           <p:spPr>
             <a:xfrm>
-              <a:off x="1490613" y="25525787"/>
+              <a:off x="1521920" y="25344549"/>
               <a:ext cx="916264" cy="461665"/>
             </a:xfrm>
             <a:prstGeom prst="rect">
@@ -13716,7 +13713,7 @@
         </p:nvSpPr>
         <p:spPr>
           <a:xfrm>
-            <a:off x="619853" y="22078561"/>
+            <a:off x="581271" y="21906329"/>
             <a:ext cx="6554619" cy="769441"/>
           </a:xfrm>
           <a:prstGeom prst="rect">

--- a/poster/poster3.pptx
+++ b/poster/poster3.pptx
@@ -11846,53 +11846,12 @@
           </a:p>
         </p:txBody>
       </p:sp>
-      <p:sp>
-        <p:nvSpPr>
-          <p:cNvPr id="260" name="TextBox 259">
+      <p:grpSp>
+        <p:nvGrpSpPr>
+          <p:cNvPr id="7" name="Group 6">
             <a:extLst>
               <a:ext uri="{FF2B5EF4-FFF2-40B4-BE49-F238E27FC236}">
-                <a16:creationId xmlns:a16="http://schemas.microsoft.com/office/drawing/2014/main" id="{C3FA4C98-1178-457A-8A7C-5D7EC027CB66}"/>
-              </a:ext>
-            </a:extLst>
-          </p:cNvPr>
-          <p:cNvSpPr txBox="1"/>
-          <p:nvPr/>
-        </p:nvSpPr>
-        <p:spPr>
-          <a:xfrm>
-            <a:off x="10461161" y="24968192"/>
-            <a:ext cx="2760879" cy="553998"/>
-          </a:xfrm>
-          <a:prstGeom prst="rect">
-            <a:avLst/>
-          </a:prstGeom>
-          <a:noFill/>
-        </p:spPr>
-        <p:txBody>
-          <a:bodyPr wrap="square" rtlCol="0">
-            <a:spAutoFit/>
-          </a:bodyPr>
-          <a:lstStyle/>
-          <a:p>
-            <a:r>
-              <a:rPr lang="en-IN" sz="3000" b="1" dirty="0">
-                <a:solidFill>
-                  <a:srgbClr val="000760"/>
-                </a:solidFill>
-                <a:latin typeface="Montserrat Semi Bold" panose="00000700000000000000" pitchFamily="50" charset="0"/>
-                <a:ea typeface="Roboto" panose="02000000000000000000" pitchFamily="2" charset="0"/>
-              </a:rPr>
-              <a:t>Dynamic A*</a:t>
-            </a:r>
-          </a:p>
-        </p:txBody>
-      </p:sp>
-      <p:grpSp>
-        <p:nvGrpSpPr>
-          <p:cNvPr id="8" name="Group 7">
-            <a:extLst>
-              <a:ext uri="{FF2B5EF4-FFF2-40B4-BE49-F238E27FC236}">
-                <a16:creationId xmlns:a16="http://schemas.microsoft.com/office/drawing/2014/main" id="{A2C7B5DF-21D4-4738-B839-669E394F53E3}"/>
+                <a16:creationId xmlns:a16="http://schemas.microsoft.com/office/drawing/2014/main" id="{4A511931-4998-484D-8012-87C98DFA2B45}"/>
               </a:ext>
             </a:extLst>
           </p:cNvPr>
@@ -11902,17 +11861,17 @@
         <p:grpSpPr>
           <a:xfrm>
             <a:off x="269055" y="22918420"/>
-            <a:ext cx="12245709" cy="3821947"/>
-            <a:chOff x="481900" y="22820160"/>
-            <a:chExt cx="12245709" cy="3821947"/>
+            <a:ext cx="12725041" cy="3821947"/>
+            <a:chOff x="269055" y="22918420"/>
+            <a:chExt cx="12725041" cy="3821947"/>
           </a:xfrm>
         </p:grpSpPr>
         <p:sp>
           <p:nvSpPr>
-            <p:cNvPr id="239" name="TextBox 238">
+            <p:cNvPr id="260" name="TextBox 259">
               <a:extLst>
                 <a:ext uri="{FF2B5EF4-FFF2-40B4-BE49-F238E27FC236}">
-                  <a16:creationId xmlns:a16="http://schemas.microsoft.com/office/drawing/2014/main" id="{476106BC-17FB-4348-A04E-A40F1FFCC810}"/>
+                  <a16:creationId xmlns:a16="http://schemas.microsoft.com/office/drawing/2014/main" id="{C3FA4C98-1178-457A-8A7C-5D7EC027CB66}"/>
                 </a:ext>
               </a:extLst>
             </p:cNvPr>
@@ -11921,8 +11880,8 @@
           </p:nvSpPr>
           <p:spPr>
             <a:xfrm>
-              <a:off x="690494" y="25823001"/>
-              <a:ext cx="524201" cy="418339"/>
+              <a:off x="10233217" y="25098015"/>
+              <a:ext cx="2760879" cy="553998"/>
             </a:xfrm>
             <a:prstGeom prst="rect">
               <a:avLst/>
@@ -11936,135 +11895,24 @@
             <a:lstStyle/>
             <a:p>
               <a:r>
-                <a:rPr lang="en-IN" sz="2000" dirty="0">
-                  <a:latin typeface="Roboto" panose="02000000000000000000" pitchFamily="2" charset="0"/>
+                <a:rPr lang="en-IN" sz="3000" b="1" dirty="0">
+                  <a:solidFill>
+                    <a:srgbClr val="000760"/>
+                  </a:solidFill>
+                  <a:latin typeface="Montserrat Semi Bold" panose="00000700000000000000" pitchFamily="50" charset="0"/>
                   <a:ea typeface="Roboto" panose="02000000000000000000" pitchFamily="2" charset="0"/>
                 </a:rPr>
-                <a:t>0</a:t>
-              </a:r>
-            </a:p>
-          </p:txBody>
-        </p:sp>
-        <p:sp>
-          <p:nvSpPr>
-            <p:cNvPr id="240" name="TextBox 239">
-              <a:extLst>
-                <a:ext uri="{FF2B5EF4-FFF2-40B4-BE49-F238E27FC236}">
-                  <a16:creationId xmlns:a16="http://schemas.microsoft.com/office/drawing/2014/main" id="{DE8AC4B2-E84A-4A8A-8FC2-45A731F44692}"/>
-                </a:ext>
-              </a:extLst>
-            </p:cNvPr>
-            <p:cNvSpPr txBox="1"/>
-            <p:nvPr/>
-          </p:nvSpPr>
-          <p:spPr>
-            <a:xfrm>
-              <a:off x="2572155" y="25829300"/>
-              <a:ext cx="524201" cy="418339"/>
-            </a:xfrm>
-            <a:prstGeom prst="rect">
-              <a:avLst/>
-            </a:prstGeom>
-            <a:noFill/>
-          </p:spPr>
-          <p:txBody>
-            <a:bodyPr wrap="square" rtlCol="0">
-              <a:spAutoFit/>
-            </a:bodyPr>
-            <a:lstStyle/>
-            <a:p>
-              <a:r>
-                <a:rPr lang="en-IN" sz="2000" dirty="0">
-                  <a:latin typeface="Roboto" panose="02000000000000000000" pitchFamily="2" charset="0"/>
-                  <a:ea typeface="Roboto" panose="02000000000000000000" pitchFamily="2" charset="0"/>
-                </a:rPr>
-                <a:t>5</a:t>
-              </a:r>
-            </a:p>
-          </p:txBody>
-        </p:sp>
-        <p:sp>
-          <p:nvSpPr>
-            <p:cNvPr id="241" name="TextBox 240">
-              <a:extLst>
-                <a:ext uri="{FF2B5EF4-FFF2-40B4-BE49-F238E27FC236}">
-                  <a16:creationId xmlns:a16="http://schemas.microsoft.com/office/drawing/2014/main" id="{EB0C1164-0BCA-45BC-ABDC-D62798A4F2FF}"/>
-                </a:ext>
-              </a:extLst>
-            </p:cNvPr>
-            <p:cNvSpPr txBox="1"/>
-            <p:nvPr/>
-          </p:nvSpPr>
-          <p:spPr>
-            <a:xfrm>
-              <a:off x="6136780" y="25835916"/>
-              <a:ext cx="635437" cy="418339"/>
-            </a:xfrm>
-            <a:prstGeom prst="rect">
-              <a:avLst/>
-            </a:prstGeom>
-            <a:noFill/>
-          </p:spPr>
-          <p:txBody>
-            <a:bodyPr wrap="square" rtlCol="0">
-              <a:spAutoFit/>
-            </a:bodyPr>
-            <a:lstStyle/>
-            <a:p>
-              <a:r>
-                <a:rPr lang="en-IN" sz="2000" dirty="0">
-                  <a:latin typeface="Roboto" panose="02000000000000000000" pitchFamily="2" charset="0"/>
-                  <a:ea typeface="Roboto" panose="02000000000000000000" pitchFamily="2" charset="0"/>
-                </a:rPr>
-                <a:t>15</a:t>
-              </a:r>
-            </a:p>
-          </p:txBody>
-        </p:sp>
-        <p:sp>
-          <p:nvSpPr>
-            <p:cNvPr id="242" name="TextBox 241">
-              <a:extLst>
-                <a:ext uri="{FF2B5EF4-FFF2-40B4-BE49-F238E27FC236}">
-                  <a16:creationId xmlns:a16="http://schemas.microsoft.com/office/drawing/2014/main" id="{D50DA5B8-E1CE-4C1C-8A57-6154095594EE}"/>
-                </a:ext>
-              </a:extLst>
-            </p:cNvPr>
-            <p:cNvSpPr txBox="1"/>
-            <p:nvPr/>
-          </p:nvSpPr>
-          <p:spPr>
-            <a:xfrm>
-              <a:off x="8027103" y="25835916"/>
-              <a:ext cx="635416" cy="418339"/>
-            </a:xfrm>
-            <a:prstGeom prst="rect">
-              <a:avLst/>
-            </a:prstGeom>
-            <a:noFill/>
-          </p:spPr>
-          <p:txBody>
-            <a:bodyPr wrap="square" rtlCol="0">
-              <a:spAutoFit/>
-            </a:bodyPr>
-            <a:lstStyle/>
-            <a:p>
-              <a:r>
-                <a:rPr lang="en-IN" sz="2000" dirty="0">
-                  <a:latin typeface="Roboto" panose="02000000000000000000" pitchFamily="2" charset="0"/>
-                  <a:ea typeface="Roboto" panose="02000000000000000000" pitchFamily="2" charset="0"/>
-                </a:rPr>
-                <a:t>20</a:t>
+                <a:t>Dynamic A*</a:t>
               </a:r>
             </a:p>
           </p:txBody>
         </p:sp>
         <p:grpSp>
           <p:nvGrpSpPr>
-            <p:cNvPr id="277" name="Group 276">
+            <p:cNvPr id="8" name="Group 7">
               <a:extLst>
                 <a:ext uri="{FF2B5EF4-FFF2-40B4-BE49-F238E27FC236}">
-                  <a16:creationId xmlns:a16="http://schemas.microsoft.com/office/drawing/2014/main" id="{CB18DE1C-4C28-472D-85E2-7CF8B5063805}"/>
+                  <a16:creationId xmlns:a16="http://schemas.microsoft.com/office/drawing/2014/main" id="{A2C7B5DF-21D4-4738-B839-669E394F53E3}"/>
                 </a:ext>
               </a:extLst>
             </p:cNvPr>
@@ -12073,1036 +11921,1209 @@
           </p:nvGrpSpPr>
           <p:grpSpPr>
             <a:xfrm>
-              <a:off x="858292" y="22935221"/>
-              <a:ext cx="7413225" cy="2927654"/>
-              <a:chOff x="826931" y="28172980"/>
-              <a:chExt cx="7387104" cy="3387424"/>
+              <a:off x="269055" y="22918420"/>
+              <a:ext cx="12245709" cy="3821947"/>
+              <a:chOff x="481900" y="22820160"/>
+              <a:chExt cx="12245709" cy="3821947"/>
             </a:xfrm>
           </p:grpSpPr>
-          <p:cxnSp>
-            <p:nvCxnSpPr>
-              <p:cNvPr id="230" name="Straight Connector 229">
+          <p:sp>
+            <p:nvSpPr>
+              <p:cNvPr id="239" name="TextBox 238">
                 <a:extLst>
                   <a:ext uri="{FF2B5EF4-FFF2-40B4-BE49-F238E27FC236}">
-                    <a16:creationId xmlns:a16="http://schemas.microsoft.com/office/drawing/2014/main" id="{73243C87-401C-4EBD-B75E-86205B57AEBD}"/>
+                    <a16:creationId xmlns:a16="http://schemas.microsoft.com/office/drawing/2014/main" id="{476106BC-17FB-4348-A04E-A40F1FFCC810}"/>
                   </a:ext>
                 </a:extLst>
               </p:cNvPr>
-              <p:cNvCxnSpPr>
-                <a:cxnSpLocks/>
-              </p:cNvCxnSpPr>
+              <p:cNvSpPr txBox="1"/>
               <p:nvPr/>
-            </p:nvCxnSpPr>
+            </p:nvSpPr>
             <p:spPr>
               <a:xfrm>
-                <a:off x="826931" y="28197613"/>
-                <a:ext cx="0" cy="3362791"/>
+                <a:off x="690494" y="25823001"/>
+                <a:ext cx="524201" cy="418339"/>
               </a:xfrm>
-              <a:prstGeom prst="line">
+              <a:prstGeom prst="rect">
                 <a:avLst/>
               </a:prstGeom>
+              <a:noFill/>
+            </p:spPr>
+            <p:txBody>
+              <a:bodyPr wrap="square" rtlCol="0">
+                <a:spAutoFit/>
+              </a:bodyPr>
+              <a:lstStyle/>
+              <a:p>
+                <a:r>
+                  <a:rPr lang="en-IN" sz="2000" dirty="0">
+                    <a:latin typeface="Roboto" panose="02000000000000000000" pitchFamily="2" charset="0"/>
+                    <a:ea typeface="Roboto" panose="02000000000000000000" pitchFamily="2" charset="0"/>
+                  </a:rPr>
+                  <a:t>0</a:t>
+                </a:r>
+              </a:p>
+            </p:txBody>
+          </p:sp>
+          <p:sp>
+            <p:nvSpPr>
+              <p:cNvPr id="240" name="TextBox 239">
+                <a:extLst>
+                  <a:ext uri="{FF2B5EF4-FFF2-40B4-BE49-F238E27FC236}">
+                    <a16:creationId xmlns:a16="http://schemas.microsoft.com/office/drawing/2014/main" id="{DE8AC4B2-E84A-4A8A-8FC2-45A731F44692}"/>
+                  </a:ext>
+                </a:extLst>
+              </p:cNvPr>
+              <p:cNvSpPr txBox="1"/>
+              <p:nvPr/>
+            </p:nvSpPr>
+            <p:spPr>
+              <a:xfrm>
+                <a:off x="2572155" y="25829300"/>
+                <a:ext cx="524201" cy="418339"/>
+              </a:xfrm>
+              <a:prstGeom prst="rect">
+                <a:avLst/>
+              </a:prstGeom>
+              <a:noFill/>
+            </p:spPr>
+            <p:txBody>
+              <a:bodyPr wrap="square" rtlCol="0">
+                <a:spAutoFit/>
+              </a:bodyPr>
+              <a:lstStyle/>
+              <a:p>
+                <a:r>
+                  <a:rPr lang="en-IN" sz="2000" dirty="0">
+                    <a:latin typeface="Roboto" panose="02000000000000000000" pitchFamily="2" charset="0"/>
+                    <a:ea typeface="Roboto" panose="02000000000000000000" pitchFamily="2" charset="0"/>
+                  </a:rPr>
+                  <a:t>5</a:t>
+                </a:r>
+              </a:p>
+            </p:txBody>
+          </p:sp>
+          <p:sp>
+            <p:nvSpPr>
+              <p:cNvPr id="241" name="TextBox 240">
+                <a:extLst>
+                  <a:ext uri="{FF2B5EF4-FFF2-40B4-BE49-F238E27FC236}">
+                    <a16:creationId xmlns:a16="http://schemas.microsoft.com/office/drawing/2014/main" id="{EB0C1164-0BCA-45BC-ABDC-D62798A4F2FF}"/>
+                  </a:ext>
+                </a:extLst>
+              </p:cNvPr>
+              <p:cNvSpPr txBox="1"/>
+              <p:nvPr/>
+            </p:nvSpPr>
+            <p:spPr>
+              <a:xfrm>
+                <a:off x="6136780" y="25835916"/>
+                <a:ext cx="635437" cy="418339"/>
+              </a:xfrm>
+              <a:prstGeom prst="rect">
+                <a:avLst/>
+              </a:prstGeom>
+              <a:noFill/>
+            </p:spPr>
+            <p:txBody>
+              <a:bodyPr wrap="square" rtlCol="0">
+                <a:spAutoFit/>
+              </a:bodyPr>
+              <a:lstStyle/>
+              <a:p>
+                <a:r>
+                  <a:rPr lang="en-IN" sz="2000" dirty="0">
+                    <a:latin typeface="Roboto" panose="02000000000000000000" pitchFamily="2" charset="0"/>
+                    <a:ea typeface="Roboto" panose="02000000000000000000" pitchFamily="2" charset="0"/>
+                  </a:rPr>
+                  <a:t>15</a:t>
+                </a:r>
+              </a:p>
+            </p:txBody>
+          </p:sp>
+          <p:sp>
+            <p:nvSpPr>
+              <p:cNvPr id="242" name="TextBox 241">
+                <a:extLst>
+                  <a:ext uri="{FF2B5EF4-FFF2-40B4-BE49-F238E27FC236}">
+                    <a16:creationId xmlns:a16="http://schemas.microsoft.com/office/drawing/2014/main" id="{D50DA5B8-E1CE-4C1C-8A57-6154095594EE}"/>
+                  </a:ext>
+                </a:extLst>
+              </p:cNvPr>
+              <p:cNvSpPr txBox="1"/>
+              <p:nvPr/>
+            </p:nvSpPr>
+            <p:spPr>
+              <a:xfrm>
+                <a:off x="8027103" y="25835916"/>
+                <a:ext cx="635416" cy="418339"/>
+              </a:xfrm>
+              <a:prstGeom prst="rect">
+                <a:avLst/>
+              </a:prstGeom>
+              <a:noFill/>
+            </p:spPr>
+            <p:txBody>
+              <a:bodyPr wrap="square" rtlCol="0">
+                <a:spAutoFit/>
+              </a:bodyPr>
+              <a:lstStyle/>
+              <a:p>
+                <a:r>
+                  <a:rPr lang="en-IN" sz="2000" dirty="0">
+                    <a:latin typeface="Roboto" panose="02000000000000000000" pitchFamily="2" charset="0"/>
+                    <a:ea typeface="Roboto" panose="02000000000000000000" pitchFamily="2" charset="0"/>
+                  </a:rPr>
+                  <a:t>20</a:t>
+                </a:r>
+              </a:p>
+            </p:txBody>
+          </p:sp>
+          <p:grpSp>
+            <p:nvGrpSpPr>
+              <p:cNvPr id="277" name="Group 276">
+                <a:extLst>
+                  <a:ext uri="{FF2B5EF4-FFF2-40B4-BE49-F238E27FC236}">
+                    <a16:creationId xmlns:a16="http://schemas.microsoft.com/office/drawing/2014/main" id="{CB18DE1C-4C28-472D-85E2-7CF8B5063805}"/>
+                  </a:ext>
+                </a:extLst>
+              </p:cNvPr>
+              <p:cNvGrpSpPr/>
+              <p:nvPr/>
+            </p:nvGrpSpPr>
+            <p:grpSpPr>
+              <a:xfrm>
+                <a:off x="858292" y="22935221"/>
+                <a:ext cx="7413225" cy="2927654"/>
+                <a:chOff x="826931" y="28172980"/>
+                <a:chExt cx="7387104" cy="3387424"/>
+              </a:xfrm>
+            </p:grpSpPr>
+            <p:cxnSp>
+              <p:nvCxnSpPr>
+                <p:cNvPr id="230" name="Straight Connector 229">
+                  <a:extLst>
+                    <a:ext uri="{FF2B5EF4-FFF2-40B4-BE49-F238E27FC236}">
+                      <a16:creationId xmlns:a16="http://schemas.microsoft.com/office/drawing/2014/main" id="{73243C87-401C-4EBD-B75E-86205B57AEBD}"/>
+                    </a:ext>
+                  </a:extLst>
+                </p:cNvPr>
+                <p:cNvCxnSpPr>
+                  <a:cxnSpLocks/>
+                </p:cNvCxnSpPr>
+                <p:nvPr/>
+              </p:nvCxnSpPr>
+              <p:spPr>
+                <a:xfrm>
+                  <a:off x="826931" y="28197613"/>
+                  <a:ext cx="0" cy="3362791"/>
+                </a:xfrm>
+                <a:prstGeom prst="line">
+                  <a:avLst/>
+                </a:prstGeom>
+                <a:ln>
+                  <a:solidFill>
+                    <a:srgbClr val="FFE8C9"/>
+                  </a:solidFill>
+                </a:ln>
+              </p:spPr>
+              <p:style>
+                <a:lnRef idx="3">
+                  <a:schemeClr val="accent6"/>
+                </a:lnRef>
+                <a:fillRef idx="0">
+                  <a:schemeClr val="accent6"/>
+                </a:fillRef>
+                <a:effectRef idx="2">
+                  <a:schemeClr val="accent6"/>
+                </a:effectRef>
+                <a:fontRef idx="minor">
+                  <a:schemeClr val="tx1"/>
+                </a:fontRef>
+              </p:style>
+            </p:cxnSp>
+            <p:cxnSp>
+              <p:nvCxnSpPr>
+                <p:cNvPr id="235" name="Straight Connector 234">
+                  <a:extLst>
+                    <a:ext uri="{FF2B5EF4-FFF2-40B4-BE49-F238E27FC236}">
+                      <a16:creationId xmlns:a16="http://schemas.microsoft.com/office/drawing/2014/main" id="{2D683BB5-8CE8-4927-801D-1E6ED0323F39}"/>
+                    </a:ext>
+                  </a:extLst>
+                </p:cNvPr>
+                <p:cNvCxnSpPr>
+                  <a:cxnSpLocks/>
+                </p:cNvCxnSpPr>
+                <p:nvPr/>
+              </p:nvCxnSpPr>
+              <p:spPr>
+                <a:xfrm>
+                  <a:off x="2692716" y="28172984"/>
+                  <a:ext cx="0" cy="3362791"/>
+                </a:xfrm>
+                <a:prstGeom prst="line">
+                  <a:avLst/>
+                </a:prstGeom>
+                <a:ln>
+                  <a:solidFill>
+                    <a:srgbClr val="FFE8C9"/>
+                  </a:solidFill>
+                </a:ln>
+              </p:spPr>
+              <p:style>
+                <a:lnRef idx="3">
+                  <a:schemeClr val="accent6"/>
+                </a:lnRef>
+                <a:fillRef idx="0">
+                  <a:schemeClr val="accent6"/>
+                </a:fillRef>
+                <a:effectRef idx="2">
+                  <a:schemeClr val="accent6"/>
+                </a:effectRef>
+                <a:fontRef idx="minor">
+                  <a:schemeClr val="tx1"/>
+                </a:fontRef>
+              </p:style>
+            </p:cxnSp>
+            <p:cxnSp>
+              <p:nvCxnSpPr>
+                <p:cNvPr id="236" name="Straight Connector 235">
+                  <a:extLst>
+                    <a:ext uri="{FF2B5EF4-FFF2-40B4-BE49-F238E27FC236}">
+                      <a16:creationId xmlns:a16="http://schemas.microsoft.com/office/drawing/2014/main" id="{3B7DA1EE-C2AF-408B-81E1-D9EE31DC65FC}"/>
+                    </a:ext>
+                  </a:extLst>
+                </p:cNvPr>
+                <p:cNvCxnSpPr>
+                  <a:cxnSpLocks/>
+                </p:cNvCxnSpPr>
+                <p:nvPr/>
+              </p:nvCxnSpPr>
+              <p:spPr>
+                <a:xfrm>
+                  <a:off x="6359949" y="28172980"/>
+                  <a:ext cx="0" cy="3362791"/>
+                </a:xfrm>
+                <a:prstGeom prst="line">
+                  <a:avLst/>
+                </a:prstGeom>
+                <a:ln>
+                  <a:solidFill>
+                    <a:srgbClr val="FFE8C9"/>
+                  </a:solidFill>
+                </a:ln>
+              </p:spPr>
+              <p:style>
+                <a:lnRef idx="3">
+                  <a:schemeClr val="accent6"/>
+                </a:lnRef>
+                <a:fillRef idx="0">
+                  <a:schemeClr val="accent6"/>
+                </a:fillRef>
+                <a:effectRef idx="2">
+                  <a:schemeClr val="accent6"/>
+                </a:effectRef>
+                <a:fontRef idx="minor">
+                  <a:schemeClr val="tx1"/>
+                </a:fontRef>
+              </p:style>
+            </p:cxnSp>
+            <p:cxnSp>
+              <p:nvCxnSpPr>
+                <p:cNvPr id="237" name="Straight Connector 236">
+                  <a:extLst>
+                    <a:ext uri="{FF2B5EF4-FFF2-40B4-BE49-F238E27FC236}">
+                      <a16:creationId xmlns:a16="http://schemas.microsoft.com/office/drawing/2014/main" id="{794D14F2-C607-4EBF-8921-2A4063394726}"/>
+                    </a:ext>
+                  </a:extLst>
+                </p:cNvPr>
+                <p:cNvCxnSpPr>
+                  <a:cxnSpLocks/>
+                </p:cNvCxnSpPr>
+                <p:nvPr/>
+              </p:nvCxnSpPr>
+              <p:spPr>
+                <a:xfrm>
+                  <a:off x="8214035" y="28172980"/>
+                  <a:ext cx="0" cy="3362791"/>
+                </a:xfrm>
+                <a:prstGeom prst="line">
+                  <a:avLst/>
+                </a:prstGeom>
+                <a:ln>
+                  <a:solidFill>
+                    <a:srgbClr val="FFE8C9"/>
+                  </a:solidFill>
+                </a:ln>
+              </p:spPr>
+              <p:style>
+                <a:lnRef idx="3">
+                  <a:schemeClr val="accent6"/>
+                </a:lnRef>
+                <a:fillRef idx="0">
+                  <a:schemeClr val="accent6"/>
+                </a:fillRef>
+                <a:effectRef idx="2">
+                  <a:schemeClr val="accent6"/>
+                </a:effectRef>
+                <a:fontRef idx="minor">
+                  <a:schemeClr val="tx1"/>
+                </a:fontRef>
+              </p:style>
+            </p:cxnSp>
+            <p:cxnSp>
+              <p:nvCxnSpPr>
+                <p:cNvPr id="238" name="Straight Connector 237">
+                  <a:extLst>
+                    <a:ext uri="{FF2B5EF4-FFF2-40B4-BE49-F238E27FC236}">
+                      <a16:creationId xmlns:a16="http://schemas.microsoft.com/office/drawing/2014/main" id="{C177E3C5-28C6-4825-AF77-DFF3824F8FA6}"/>
+                    </a:ext>
+                  </a:extLst>
+                </p:cNvPr>
+                <p:cNvCxnSpPr>
+                  <a:cxnSpLocks/>
+                </p:cNvCxnSpPr>
+                <p:nvPr/>
+              </p:nvCxnSpPr>
+              <p:spPr>
+                <a:xfrm>
+                  <a:off x="4523408" y="28197610"/>
+                  <a:ext cx="0" cy="3362791"/>
+                </a:xfrm>
+                <a:prstGeom prst="line">
+                  <a:avLst/>
+                </a:prstGeom>
+                <a:ln>
+                  <a:solidFill>
+                    <a:srgbClr val="FFE8C9"/>
+                  </a:solidFill>
+                </a:ln>
+              </p:spPr>
+              <p:style>
+                <a:lnRef idx="3">
+                  <a:schemeClr val="accent6"/>
+                </a:lnRef>
+                <a:fillRef idx="0">
+                  <a:schemeClr val="accent6"/>
+                </a:fillRef>
+                <a:effectRef idx="2">
+                  <a:schemeClr val="accent6"/>
+                </a:effectRef>
+                <a:fontRef idx="minor">
+                  <a:schemeClr val="tx1"/>
+                </a:fontRef>
+              </p:style>
+            </p:cxnSp>
+          </p:grpSp>
+          <p:sp>
+            <p:nvSpPr>
+              <p:cNvPr id="243" name="TextBox 242">
+                <a:extLst>
+                  <a:ext uri="{FF2B5EF4-FFF2-40B4-BE49-F238E27FC236}">
+                    <a16:creationId xmlns:a16="http://schemas.microsoft.com/office/drawing/2014/main" id="{8155C032-4B8F-4937-AD66-BB962136C509}"/>
+                  </a:ext>
+                </a:extLst>
+              </p:cNvPr>
+              <p:cNvSpPr txBox="1"/>
+              <p:nvPr/>
+            </p:nvSpPr>
+            <p:spPr>
+              <a:xfrm>
+                <a:off x="4320276" y="25823000"/>
+                <a:ext cx="567817" cy="418339"/>
+              </a:xfrm>
+              <a:prstGeom prst="rect">
+                <a:avLst/>
+              </a:prstGeom>
+              <a:noFill/>
+            </p:spPr>
+            <p:txBody>
+              <a:bodyPr wrap="square" rtlCol="0">
+                <a:spAutoFit/>
+              </a:bodyPr>
+              <a:lstStyle/>
+              <a:p>
+                <a:r>
+                  <a:rPr lang="en-IN" sz="2000" dirty="0">
+                    <a:latin typeface="Roboto" panose="02000000000000000000" pitchFamily="2" charset="0"/>
+                    <a:ea typeface="Roboto" panose="02000000000000000000" pitchFamily="2" charset="0"/>
+                  </a:rPr>
+                  <a:t>10</a:t>
+                </a:r>
+              </a:p>
+            </p:txBody>
+          </p:sp>
+          <p:sp>
+            <p:nvSpPr>
+              <p:cNvPr id="246" name="Rectangle 245">
+                <a:extLst>
+                  <a:ext uri="{FF2B5EF4-FFF2-40B4-BE49-F238E27FC236}">
+                    <a16:creationId xmlns:a16="http://schemas.microsoft.com/office/drawing/2014/main" id="{7EDCC33E-A6FC-4150-97CC-E12356911CD1}"/>
+                  </a:ext>
+                </a:extLst>
+              </p:cNvPr>
+              <p:cNvSpPr/>
+              <p:nvPr/>
+            </p:nvSpPr>
+            <p:spPr>
+              <a:xfrm>
+                <a:off x="867445" y="23294190"/>
+                <a:ext cx="6977830" cy="675776"/>
+              </a:xfrm>
+              <a:prstGeom prst="rect">
+                <a:avLst/>
+              </a:prstGeom>
+              <a:solidFill>
+                <a:srgbClr val="DBEDF3"/>
+              </a:solidFill>
               <a:ln>
-                <a:solidFill>
-                  <a:srgbClr val="FFE8C9"/>
-                </a:solidFill>
+                <a:noFill/>
               </a:ln>
             </p:spPr>
             <p:style>
-              <a:lnRef idx="3">
-                <a:schemeClr val="accent6"/>
+              <a:lnRef idx="2">
+                <a:schemeClr val="accent1">
+                  <a:shade val="50000"/>
+                </a:schemeClr>
               </a:lnRef>
-              <a:fillRef idx="0">
-                <a:schemeClr val="accent6"/>
+              <a:fillRef idx="1">
+                <a:schemeClr val="accent1"/>
               </a:fillRef>
-              <a:effectRef idx="2">
-                <a:schemeClr val="accent6"/>
+              <a:effectRef idx="0">
+                <a:schemeClr val="accent1"/>
               </a:effectRef>
               <a:fontRef idx="minor">
-                <a:schemeClr val="tx1"/>
+                <a:schemeClr val="lt1"/>
               </a:fontRef>
             </p:style>
-          </p:cxnSp>
-          <p:cxnSp>
-            <p:nvCxnSpPr>
-              <p:cNvPr id="235" name="Straight Connector 234">
+            <p:txBody>
+              <a:bodyPr rtlCol="0" anchor="ctr"/>
+              <a:lstStyle/>
+              <a:p>
+                <a:pPr algn="ctr"/>
+                <a:r>
+                  <a:rPr lang="en-IN" dirty="0"/>
+                  <a:t>19.1 sec</a:t>
+                </a:r>
+              </a:p>
+            </p:txBody>
+          </p:sp>
+          <p:sp>
+            <p:nvSpPr>
+              <p:cNvPr id="247" name="Rectangle 246">
                 <a:extLst>
                   <a:ext uri="{FF2B5EF4-FFF2-40B4-BE49-F238E27FC236}">
-                    <a16:creationId xmlns:a16="http://schemas.microsoft.com/office/drawing/2014/main" id="{2D683BB5-8CE8-4927-801D-1E6ED0323F39}"/>
+                    <a16:creationId xmlns:a16="http://schemas.microsoft.com/office/drawing/2014/main" id="{FA270B86-92C1-42F5-852C-60FF33F58F43}"/>
                   </a:ext>
                 </a:extLst>
               </p:cNvPr>
-              <p:cNvCxnSpPr>
-                <a:cxnSpLocks/>
-              </p:cNvCxnSpPr>
+              <p:cNvSpPr/>
               <p:nvPr/>
-            </p:nvCxnSpPr>
+            </p:nvSpPr>
             <p:spPr>
               <a:xfrm>
-                <a:off x="2692716" y="28172984"/>
-                <a:ext cx="0" cy="3362791"/>
+                <a:off x="858293" y="24508138"/>
+                <a:ext cx="1613804" cy="841089"/>
               </a:xfrm>
-              <a:prstGeom prst="line">
+              <a:prstGeom prst="rect">
                 <a:avLst/>
               </a:prstGeom>
+              <a:solidFill>
+                <a:srgbClr val="FEFAEC"/>
+              </a:solidFill>
               <a:ln>
-                <a:solidFill>
-                  <a:srgbClr val="FFE8C9"/>
-                </a:solidFill>
+                <a:noFill/>
               </a:ln>
             </p:spPr>
             <p:style>
-              <a:lnRef idx="3">
-                <a:schemeClr val="accent6"/>
+              <a:lnRef idx="2">
+                <a:schemeClr val="accent1">
+                  <a:shade val="50000"/>
+                </a:schemeClr>
               </a:lnRef>
-              <a:fillRef idx="0">
-                <a:schemeClr val="accent6"/>
+              <a:fillRef idx="1">
+                <a:schemeClr val="accent1"/>
               </a:fillRef>
-              <a:effectRef idx="2">
-                <a:schemeClr val="accent6"/>
+              <a:effectRef idx="0">
+                <a:schemeClr val="accent1"/>
               </a:effectRef>
               <a:fontRef idx="minor">
-                <a:schemeClr val="tx1"/>
+                <a:schemeClr val="lt1"/>
               </a:fontRef>
             </p:style>
-          </p:cxnSp>
-          <p:cxnSp>
-            <p:nvCxnSpPr>
-              <p:cNvPr id="236" name="Straight Connector 235">
+            <p:txBody>
+              <a:bodyPr rtlCol="0" anchor="ctr"/>
+              <a:lstStyle/>
+              <a:p>
+                <a:pPr algn="ctr"/>
+                <a:r>
+                  <a:rPr lang="en-IN" dirty="0"/>
+                  <a:t>\</a:t>
+                </a:r>
+              </a:p>
+            </p:txBody>
+          </p:sp>
+          <p:pic>
+            <p:nvPicPr>
+              <p:cNvPr id="220" name="Graphic 219">
                 <a:extLst>
                   <a:ext uri="{FF2B5EF4-FFF2-40B4-BE49-F238E27FC236}">
-                    <a16:creationId xmlns:a16="http://schemas.microsoft.com/office/drawing/2014/main" id="{3B7DA1EE-C2AF-408B-81E1-D9EE31DC65FC}"/>
+                    <a16:creationId xmlns:a16="http://schemas.microsoft.com/office/drawing/2014/main" id="{E1D34324-4366-4C18-9818-2A4A95C15CF3}"/>
                   </a:ext>
                 </a:extLst>
               </p:cNvPr>
-              <p:cNvCxnSpPr>
-                <a:cxnSpLocks/>
-              </p:cNvCxnSpPr>
+              <p:cNvPicPr>
+                <a:picLocks noChangeAspect="1"/>
+              </p:cNvPicPr>
               <p:nvPr/>
-            </p:nvCxnSpPr>
+            </p:nvPicPr>
+            <p:blipFill>
+              <a:blip r:embed="rId11">
+                <a:extLst>
+                  <a:ext uri="{28A0092B-C50C-407E-A947-70E740481C1C}">
+                    <a14:useLocalDpi xmlns:a14="http://schemas.microsoft.com/office/drawing/2010/main" val="0"/>
+                  </a:ext>
+                  <a:ext uri="{96DAC541-7B7A-43D3-8B79-37D633B846F1}">
+                    <asvg:svgBlip xmlns:asvg="http://schemas.microsoft.com/office/drawing/2016/SVG/main" r:embed="rId12"/>
+                  </a:ext>
+                </a:extLst>
+              </a:blip>
+              <a:stretch>
+                <a:fillRect/>
+              </a:stretch>
+            </p:blipFill>
+            <p:spPr>
+              <a:xfrm flipH="1">
+                <a:off x="8951630" y="23080891"/>
+                <a:ext cx="1328799" cy="1328799"/>
+              </a:xfrm>
+              <a:prstGeom prst="rect">
+                <a:avLst/>
+              </a:prstGeom>
+            </p:spPr>
+          </p:pic>
+          <p:pic>
+            <p:nvPicPr>
+              <p:cNvPr id="222" name="Graphic 221">
+                <a:extLst>
+                  <a:ext uri="{FF2B5EF4-FFF2-40B4-BE49-F238E27FC236}">
+                    <a16:creationId xmlns:a16="http://schemas.microsoft.com/office/drawing/2014/main" id="{5BEA0030-DE39-4439-A66A-8867A3092276}"/>
+                  </a:ext>
+                </a:extLst>
+              </p:cNvPr>
+              <p:cNvPicPr>
+                <a:picLocks noChangeAspect="1"/>
+              </p:cNvPicPr>
+              <p:nvPr/>
+            </p:nvPicPr>
+            <p:blipFill>
+              <a:blip r:embed="rId13">
+                <a:extLst>
+                  <a:ext uri="{28A0092B-C50C-407E-A947-70E740481C1C}">
+                    <a14:useLocalDpi xmlns:a14="http://schemas.microsoft.com/office/drawing/2010/main" val="0"/>
+                  </a:ext>
+                  <a:ext uri="{96DAC541-7B7A-43D3-8B79-37D633B846F1}">
+                    <asvg:svgBlip xmlns:asvg="http://schemas.microsoft.com/office/drawing/2016/SVG/main" r:embed="rId14"/>
+                  </a:ext>
+                </a:extLst>
+              </a:blip>
+              <a:stretch>
+                <a:fillRect/>
+              </a:stretch>
+            </p:blipFill>
             <p:spPr>
               <a:xfrm>
-                <a:off x="6359949" y="28172980"/>
-                <a:ext cx="0" cy="3362791"/>
+                <a:off x="9036334" y="24819699"/>
+                <a:ext cx="1092571" cy="1092571"/>
               </a:xfrm>
-              <a:prstGeom prst="line">
+              <a:prstGeom prst="rect">
                 <a:avLst/>
               </a:prstGeom>
+            </p:spPr>
+          </p:pic>
+          <p:sp>
+            <p:nvSpPr>
+              <p:cNvPr id="261" name="TextBox 260">
+                <a:extLst>
+                  <a:ext uri="{FF2B5EF4-FFF2-40B4-BE49-F238E27FC236}">
+                    <a16:creationId xmlns:a16="http://schemas.microsoft.com/office/drawing/2014/main" id="{E03A414D-4897-4B43-8ADB-CE19963E3F61}"/>
+                  </a:ext>
+                </a:extLst>
+              </p:cNvPr>
+              <p:cNvSpPr txBox="1"/>
+              <p:nvPr/>
+            </p:nvSpPr>
+            <p:spPr>
+              <a:xfrm>
+                <a:off x="10461152" y="23433002"/>
+                <a:ext cx="2266457" cy="553998"/>
+              </a:xfrm>
+              <a:prstGeom prst="rect">
+                <a:avLst/>
+              </a:prstGeom>
+              <a:noFill/>
+            </p:spPr>
+            <p:txBody>
+              <a:bodyPr wrap="square" rtlCol="0">
+                <a:spAutoFit/>
+              </a:bodyPr>
+              <a:lstStyle/>
+              <a:p>
+                <a:r>
+                  <a:rPr lang="en-IN" sz="3000" dirty="0">
+                    <a:solidFill>
+                      <a:schemeClr val="accent4">
+                        <a:lumMod val="75000"/>
+                      </a:schemeClr>
+                    </a:solidFill>
+                    <a:latin typeface="Montserrat Semi Bold" panose="00000700000000000000" pitchFamily="50" charset="0"/>
+                    <a:ea typeface="Roboto" panose="02000000000000000000" pitchFamily="2" charset="0"/>
+                  </a:rPr>
+                  <a:t>Static A*</a:t>
+                </a:r>
+              </a:p>
+            </p:txBody>
+          </p:sp>
+          <p:sp>
+            <p:nvSpPr>
+              <p:cNvPr id="262" name="TextBox 261">
+                <a:extLst>
+                  <a:ext uri="{FF2B5EF4-FFF2-40B4-BE49-F238E27FC236}">
+                    <a16:creationId xmlns:a16="http://schemas.microsoft.com/office/drawing/2014/main" id="{A467D1E9-F7E9-4405-8D9A-4A3CD0A6B549}"/>
+                  </a:ext>
+                </a:extLst>
+              </p:cNvPr>
+              <p:cNvSpPr txBox="1"/>
+              <p:nvPr/>
+            </p:nvSpPr>
+            <p:spPr>
+              <a:xfrm>
+                <a:off x="481900" y="26211220"/>
+                <a:ext cx="7437157" cy="430887"/>
+              </a:xfrm>
+              <a:prstGeom prst="rect">
+                <a:avLst/>
+              </a:prstGeom>
+              <a:noFill/>
+            </p:spPr>
+            <p:txBody>
+              <a:bodyPr wrap="square" rtlCol="0">
+                <a:spAutoFit/>
+              </a:bodyPr>
+              <a:lstStyle/>
+              <a:p>
+                <a:pPr algn="ctr"/>
+                <a:r>
+                  <a:rPr lang="en-IN" sz="2200" dirty="0">
+                    <a:latin typeface="Roboto" panose="02000000000000000000" pitchFamily="2" charset="0"/>
+                    <a:ea typeface="Roboto" panose="02000000000000000000" pitchFamily="2" charset="0"/>
+                  </a:rPr>
+                  <a:t>Time (in seconds)</a:t>
+                </a:r>
+              </a:p>
+            </p:txBody>
+          </p:sp>
+          <p:pic>
+            <p:nvPicPr>
+              <p:cNvPr id="263" name="Graphic 262">
+                <a:extLst>
+                  <a:ext uri="{FF2B5EF4-FFF2-40B4-BE49-F238E27FC236}">
+                    <a16:creationId xmlns:a16="http://schemas.microsoft.com/office/drawing/2014/main" id="{4C9FD854-CE37-45B8-8A9E-CE715A7F33EA}"/>
+                  </a:ext>
+                </a:extLst>
+              </p:cNvPr>
+              <p:cNvPicPr>
+                <a:picLocks noChangeAspect="1"/>
+              </p:cNvPicPr>
+              <p:nvPr/>
+            </p:nvPicPr>
+            <p:blipFill>
+              <a:blip r:embed="rId15">
+                <a:extLst>
+                  <a:ext uri="{28A0092B-C50C-407E-A947-70E740481C1C}">
+                    <a14:useLocalDpi xmlns:a14="http://schemas.microsoft.com/office/drawing/2010/main" val="0"/>
+                  </a:ext>
+                  <a:ext uri="{96DAC541-7B7A-43D3-8B79-37D633B846F1}">
+                    <asvg:svgBlip xmlns:asvg="http://schemas.microsoft.com/office/drawing/2016/SVG/main" r:embed="rId16"/>
+                  </a:ext>
+                </a:extLst>
+              </a:blip>
+              <a:stretch>
+                <a:fillRect/>
+              </a:stretch>
+            </p:blipFill>
+            <p:spPr>
+              <a:xfrm flipH="1">
+                <a:off x="793852" y="23032304"/>
+                <a:ext cx="1254904" cy="1230022"/>
+              </a:xfrm>
+              <a:prstGeom prst="rect">
+                <a:avLst/>
+              </a:prstGeom>
+            </p:spPr>
+          </p:pic>
+          <p:pic>
+            <p:nvPicPr>
+              <p:cNvPr id="264" name="Graphic 263">
+                <a:extLst>
+                  <a:ext uri="{FF2B5EF4-FFF2-40B4-BE49-F238E27FC236}">
+                    <a16:creationId xmlns:a16="http://schemas.microsoft.com/office/drawing/2014/main" id="{D1F2B735-5592-480B-A85A-3BF982DC8B8F}"/>
+                  </a:ext>
+                </a:extLst>
+              </p:cNvPr>
+              <p:cNvPicPr>
+                <a:picLocks noChangeAspect="1"/>
+              </p:cNvPicPr>
+              <p:nvPr/>
+            </p:nvPicPr>
+            <p:blipFill>
+              <a:blip r:embed="rId15">
+                <a:extLst>
+                  <a:ext uri="{28A0092B-C50C-407E-A947-70E740481C1C}">
+                    <a14:useLocalDpi xmlns:a14="http://schemas.microsoft.com/office/drawing/2010/main" val="0"/>
+                  </a:ext>
+                  <a:ext uri="{96DAC541-7B7A-43D3-8B79-37D633B846F1}">
+                    <asvg:svgBlip xmlns:asvg="http://schemas.microsoft.com/office/drawing/2016/SVG/main" r:embed="rId16"/>
+                  </a:ext>
+                </a:extLst>
+              </a:blip>
+              <a:stretch>
+                <a:fillRect/>
+              </a:stretch>
+            </p:blipFill>
+            <p:spPr>
+              <a:xfrm flipH="1">
+                <a:off x="2006097" y="23027611"/>
+                <a:ext cx="1245455" cy="1245455"/>
+              </a:xfrm>
+              <a:prstGeom prst="rect">
+                <a:avLst/>
+              </a:prstGeom>
+            </p:spPr>
+          </p:pic>
+          <p:pic>
+            <p:nvPicPr>
+              <p:cNvPr id="265" name="Graphic 264">
+                <a:extLst>
+                  <a:ext uri="{FF2B5EF4-FFF2-40B4-BE49-F238E27FC236}">
+                    <a16:creationId xmlns:a16="http://schemas.microsoft.com/office/drawing/2014/main" id="{885C508F-766E-46A8-9DE2-BD141A50E203}"/>
+                  </a:ext>
+                </a:extLst>
+              </p:cNvPr>
+              <p:cNvPicPr>
+                <a:picLocks noChangeAspect="1"/>
+              </p:cNvPicPr>
+              <p:nvPr/>
+            </p:nvPicPr>
+            <p:blipFill>
+              <a:blip r:embed="rId15">
+                <a:extLst>
+                  <a:ext uri="{28A0092B-C50C-407E-A947-70E740481C1C}">
+                    <a14:useLocalDpi xmlns:a14="http://schemas.microsoft.com/office/drawing/2010/main" val="0"/>
+                  </a:ext>
+                  <a:ext uri="{96DAC541-7B7A-43D3-8B79-37D633B846F1}">
+                    <asvg:svgBlip xmlns:asvg="http://schemas.microsoft.com/office/drawing/2016/SVG/main" r:embed="rId16"/>
+                  </a:ext>
+                </a:extLst>
+              </a:blip>
+              <a:stretch>
+                <a:fillRect/>
+              </a:stretch>
+            </p:blipFill>
+            <p:spPr>
+              <a:xfrm flipH="1">
+                <a:off x="3228779" y="23025560"/>
+                <a:ext cx="1226385" cy="1226385"/>
+              </a:xfrm>
+              <a:prstGeom prst="rect">
+                <a:avLst/>
+              </a:prstGeom>
+            </p:spPr>
+          </p:pic>
+          <p:pic>
+            <p:nvPicPr>
+              <p:cNvPr id="266" name="Graphic 265">
+                <a:extLst>
+                  <a:ext uri="{FF2B5EF4-FFF2-40B4-BE49-F238E27FC236}">
+                    <a16:creationId xmlns:a16="http://schemas.microsoft.com/office/drawing/2014/main" id="{3132AAAB-2F12-43C3-820A-75EA3E017B83}"/>
+                  </a:ext>
+                </a:extLst>
+              </p:cNvPr>
+              <p:cNvPicPr>
+                <a:picLocks noChangeAspect="1"/>
+              </p:cNvPicPr>
+              <p:nvPr/>
+            </p:nvPicPr>
+            <p:blipFill>
+              <a:blip r:embed="rId15">
+                <a:extLst>
+                  <a:ext uri="{28A0092B-C50C-407E-A947-70E740481C1C}">
+                    <a14:useLocalDpi xmlns:a14="http://schemas.microsoft.com/office/drawing/2010/main" val="0"/>
+                  </a:ext>
+                  <a:ext uri="{96DAC541-7B7A-43D3-8B79-37D633B846F1}">
+                    <asvg:svgBlip xmlns:asvg="http://schemas.microsoft.com/office/drawing/2016/SVG/main" r:embed="rId16"/>
+                  </a:ext>
+                </a:extLst>
+              </a:blip>
+              <a:stretch>
+                <a:fillRect/>
+              </a:stretch>
+            </p:blipFill>
+            <p:spPr>
+              <a:xfrm flipH="1">
+                <a:off x="4475113" y="23020356"/>
+                <a:ext cx="1226386" cy="1226386"/>
+              </a:xfrm>
+              <a:prstGeom prst="rect">
+                <a:avLst/>
+              </a:prstGeom>
+            </p:spPr>
+          </p:pic>
+          <p:pic>
+            <p:nvPicPr>
+              <p:cNvPr id="267" name="Graphic 266">
+                <a:extLst>
+                  <a:ext uri="{FF2B5EF4-FFF2-40B4-BE49-F238E27FC236}">
+                    <a16:creationId xmlns:a16="http://schemas.microsoft.com/office/drawing/2014/main" id="{4A8858B4-80D6-48F9-97D8-8E3D98BB5A0D}"/>
+                  </a:ext>
+                </a:extLst>
+              </p:cNvPr>
+              <p:cNvPicPr>
+                <a:picLocks noChangeAspect="1"/>
+              </p:cNvPicPr>
+              <p:nvPr/>
+            </p:nvPicPr>
+            <p:blipFill>
+              <a:blip r:embed="rId15">
+                <a:extLst>
+                  <a:ext uri="{28A0092B-C50C-407E-A947-70E740481C1C}">
+                    <a14:useLocalDpi xmlns:a14="http://schemas.microsoft.com/office/drawing/2010/main" val="0"/>
+                  </a:ext>
+                  <a:ext uri="{96DAC541-7B7A-43D3-8B79-37D633B846F1}">
+                    <asvg:svgBlip xmlns:asvg="http://schemas.microsoft.com/office/drawing/2016/SVG/main" r:embed="rId16"/>
+                  </a:ext>
+                </a:extLst>
+              </a:blip>
+              <a:stretch>
+                <a:fillRect/>
+              </a:stretch>
+            </p:blipFill>
+            <p:spPr>
+              <a:xfrm flipH="1">
+                <a:off x="5680660" y="22998350"/>
+                <a:ext cx="1226386" cy="1226386"/>
+              </a:xfrm>
+              <a:prstGeom prst="rect">
+                <a:avLst/>
+              </a:prstGeom>
+            </p:spPr>
+          </p:pic>
+          <p:pic>
+            <p:nvPicPr>
+              <p:cNvPr id="268" name="Graphic 267">
+                <a:extLst>
+                  <a:ext uri="{FF2B5EF4-FFF2-40B4-BE49-F238E27FC236}">
+                    <a16:creationId xmlns:a16="http://schemas.microsoft.com/office/drawing/2014/main" id="{3B196D8C-B7C8-40A6-BF22-746BB09580BB}"/>
+                  </a:ext>
+                </a:extLst>
+              </p:cNvPr>
+              <p:cNvPicPr>
+                <a:picLocks noChangeAspect="1"/>
+              </p:cNvPicPr>
+              <p:nvPr/>
+            </p:nvPicPr>
+            <p:blipFill>
+              <a:blip r:embed="rId11">
+                <a:extLst>
+                  <a:ext uri="{28A0092B-C50C-407E-A947-70E740481C1C}">
+                    <a14:useLocalDpi xmlns:a14="http://schemas.microsoft.com/office/drawing/2010/main" val="0"/>
+                  </a:ext>
+                  <a:ext uri="{96DAC541-7B7A-43D3-8B79-37D633B846F1}">
+                    <asvg:svgBlip xmlns:asvg="http://schemas.microsoft.com/office/drawing/2016/SVG/main" r:embed="rId12"/>
+                  </a:ext>
+                </a:extLst>
+              </a:blip>
+              <a:stretch>
+                <a:fillRect/>
+              </a:stretch>
+            </p:blipFill>
+            <p:spPr>
+              <a:xfrm flipH="1">
+                <a:off x="6799819" y="23020356"/>
+                <a:ext cx="1217377" cy="1217377"/>
+              </a:xfrm>
+              <a:prstGeom prst="rect">
+                <a:avLst/>
+              </a:prstGeom>
+            </p:spPr>
+          </p:pic>
+          <p:sp>
+            <p:nvSpPr>
+              <p:cNvPr id="271" name="Rectangle 270">
+                <a:extLst>
+                  <a:ext uri="{FF2B5EF4-FFF2-40B4-BE49-F238E27FC236}">
+                    <a16:creationId xmlns:a16="http://schemas.microsoft.com/office/drawing/2014/main" id="{D9710832-4A2E-49BB-A802-289C94BA540F}"/>
+                  </a:ext>
+                </a:extLst>
+              </p:cNvPr>
+              <p:cNvSpPr/>
+              <p:nvPr/>
+            </p:nvSpPr>
+            <p:spPr>
+              <a:xfrm>
+                <a:off x="7819162" y="23306475"/>
+                <a:ext cx="426236" cy="675776"/>
+              </a:xfrm>
+              <a:prstGeom prst="rect">
+                <a:avLst/>
+              </a:prstGeom>
+              <a:solidFill>
+                <a:schemeClr val="bg1"/>
+              </a:solidFill>
               <a:ln>
-                <a:solidFill>
-                  <a:srgbClr val="FFE8C9"/>
-                </a:solidFill>
+                <a:noFill/>
               </a:ln>
             </p:spPr>
             <p:style>
-              <a:lnRef idx="3">
-                <a:schemeClr val="accent6"/>
+              <a:lnRef idx="2">
+                <a:schemeClr val="accent1">
+                  <a:shade val="50000"/>
+                </a:schemeClr>
               </a:lnRef>
-              <a:fillRef idx="0">
-                <a:schemeClr val="accent6"/>
+              <a:fillRef idx="1">
+                <a:schemeClr val="accent1"/>
               </a:fillRef>
-              <a:effectRef idx="2">
-                <a:schemeClr val="accent6"/>
+              <a:effectRef idx="0">
+                <a:schemeClr val="accent1"/>
               </a:effectRef>
               <a:fontRef idx="minor">
-                <a:schemeClr val="tx1"/>
+                <a:schemeClr val="lt1"/>
               </a:fontRef>
             </p:style>
-          </p:cxnSp>
-          <p:cxnSp>
-            <p:nvCxnSpPr>
-              <p:cNvPr id="237" name="Straight Connector 236">
+            <p:txBody>
+              <a:bodyPr rtlCol="0" anchor="ctr"/>
+              <a:lstStyle/>
+              <a:p>
+                <a:pPr algn="ctr"/>
+                <a:endParaRPr lang="en-IN"/>
+              </a:p>
+            </p:txBody>
+          </p:sp>
+          <p:pic>
+            <p:nvPicPr>
+              <p:cNvPr id="269" name="Graphic 268">
                 <a:extLst>
                   <a:ext uri="{FF2B5EF4-FFF2-40B4-BE49-F238E27FC236}">
-                    <a16:creationId xmlns:a16="http://schemas.microsoft.com/office/drawing/2014/main" id="{794D14F2-C607-4EBF-8921-2A4063394726}"/>
+                    <a16:creationId xmlns:a16="http://schemas.microsoft.com/office/drawing/2014/main" id="{210C780F-A99A-4CCF-A17D-D1D6C2BEAE81}"/>
                   </a:ext>
                 </a:extLst>
               </p:cNvPr>
-              <p:cNvCxnSpPr>
-                <a:cxnSpLocks/>
-              </p:cNvCxnSpPr>
+              <p:cNvPicPr>
+                <a:picLocks noChangeAspect="1"/>
+              </p:cNvPicPr>
               <p:nvPr/>
-            </p:nvCxnSpPr>
+            </p:nvPicPr>
+            <p:blipFill>
+              <a:blip r:embed="rId13">
+                <a:extLst>
+                  <a:ext uri="{28A0092B-C50C-407E-A947-70E740481C1C}">
+                    <a14:useLocalDpi xmlns:a14="http://schemas.microsoft.com/office/drawing/2010/main" val="0"/>
+                  </a:ext>
+                  <a:ext uri="{96DAC541-7B7A-43D3-8B79-37D633B846F1}">
+                    <asvg:svgBlip xmlns:asvg="http://schemas.microsoft.com/office/drawing/2016/SVG/main" r:embed="rId14"/>
+                  </a:ext>
+                </a:extLst>
+              </a:blip>
+              <a:stretch>
+                <a:fillRect/>
+              </a:stretch>
+            </p:blipFill>
             <p:spPr>
               <a:xfrm>
-                <a:off x="8214035" y="28172980"/>
-                <a:ext cx="0" cy="3362791"/>
+                <a:off x="867446" y="24531598"/>
+                <a:ext cx="930496" cy="841089"/>
               </a:xfrm>
-              <a:prstGeom prst="line">
+              <a:prstGeom prst="rect">
                 <a:avLst/>
               </a:prstGeom>
+            </p:spPr>
+          </p:pic>
+          <p:pic>
+            <p:nvPicPr>
+              <p:cNvPr id="270" name="Graphic 269">
+                <a:extLst>
+                  <a:ext uri="{FF2B5EF4-FFF2-40B4-BE49-F238E27FC236}">
+                    <a16:creationId xmlns:a16="http://schemas.microsoft.com/office/drawing/2014/main" id="{10FB9EE9-0872-4A5F-8C7F-973429ABF923}"/>
+                  </a:ext>
+                </a:extLst>
+              </p:cNvPr>
+              <p:cNvPicPr>
+                <a:picLocks noChangeAspect="1"/>
+              </p:cNvPicPr>
+              <p:nvPr/>
+            </p:nvPicPr>
+            <p:blipFill>
+              <a:blip r:embed="rId13">
+                <a:extLst>
+                  <a:ext uri="{28A0092B-C50C-407E-A947-70E740481C1C}">
+                    <a14:useLocalDpi xmlns:a14="http://schemas.microsoft.com/office/drawing/2010/main" val="0"/>
+                  </a:ext>
+                  <a:ext uri="{96DAC541-7B7A-43D3-8B79-37D633B846F1}">
+                    <asvg:svgBlip xmlns:asvg="http://schemas.microsoft.com/office/drawing/2016/SVG/main" r:embed="rId14"/>
+                  </a:ext>
+                </a:extLst>
+              </a:blip>
+              <a:stretch>
+                <a:fillRect/>
+              </a:stretch>
+            </p:blipFill>
+            <p:spPr>
+              <a:xfrm>
+                <a:off x="1858453" y="24577654"/>
+                <a:ext cx="738250" cy="810294"/>
+              </a:xfrm>
+              <a:prstGeom prst="rect">
+                <a:avLst/>
+              </a:prstGeom>
+            </p:spPr>
+          </p:pic>
+          <p:sp>
+            <p:nvSpPr>
+              <p:cNvPr id="272" name="Rectangle 271">
+                <a:extLst>
+                  <a:ext uri="{FF2B5EF4-FFF2-40B4-BE49-F238E27FC236}">
+                    <a16:creationId xmlns:a16="http://schemas.microsoft.com/office/drawing/2014/main" id="{652867D1-FA5C-4FC8-8365-7F60301ECC03}"/>
+                  </a:ext>
+                </a:extLst>
+              </p:cNvPr>
+              <p:cNvSpPr/>
+              <p:nvPr/>
+            </p:nvSpPr>
+            <p:spPr>
+              <a:xfrm>
+                <a:off x="2213178" y="24509174"/>
+                <a:ext cx="499201" cy="880003"/>
+              </a:xfrm>
+              <a:prstGeom prst="rect">
+                <a:avLst/>
+              </a:prstGeom>
+              <a:solidFill>
+                <a:schemeClr val="bg1"/>
+              </a:solidFill>
               <a:ln>
-                <a:solidFill>
-                  <a:srgbClr val="FFE8C9"/>
-                </a:solidFill>
+                <a:noFill/>
               </a:ln>
             </p:spPr>
             <p:style>
-              <a:lnRef idx="3">
-                <a:schemeClr val="accent6"/>
+              <a:lnRef idx="2">
+                <a:schemeClr val="accent1">
+                  <a:shade val="50000"/>
+                </a:schemeClr>
               </a:lnRef>
-              <a:fillRef idx="0">
-                <a:schemeClr val="accent6"/>
+              <a:fillRef idx="1">
+                <a:schemeClr val="accent1"/>
               </a:fillRef>
-              <a:effectRef idx="2">
-                <a:schemeClr val="accent6"/>
+              <a:effectRef idx="0">
+                <a:schemeClr val="accent1"/>
               </a:effectRef>
               <a:fontRef idx="minor">
-                <a:schemeClr val="tx1"/>
+                <a:schemeClr val="lt1"/>
               </a:fontRef>
             </p:style>
-          </p:cxnSp>
-          <p:cxnSp>
-            <p:nvCxnSpPr>
-              <p:cNvPr id="238" name="Straight Connector 237">
+            <p:txBody>
+              <a:bodyPr rtlCol="0" anchor="ctr"/>
+              <a:lstStyle/>
+              <a:p>
+                <a:pPr algn="ctr"/>
+                <a:endParaRPr lang="en-IN" dirty="0"/>
+              </a:p>
+            </p:txBody>
+          </p:sp>
+          <p:sp>
+            <p:nvSpPr>
+              <p:cNvPr id="9" name="TextBox 8">
                 <a:extLst>
                   <a:ext uri="{FF2B5EF4-FFF2-40B4-BE49-F238E27FC236}">
-                    <a16:creationId xmlns:a16="http://schemas.microsoft.com/office/drawing/2014/main" id="{C177E3C5-28C6-4825-AF77-DFF3824F8FA6}"/>
+                    <a16:creationId xmlns:a16="http://schemas.microsoft.com/office/drawing/2014/main" id="{ECE52963-49D6-4E7F-B332-E6D5EDACD286}"/>
                   </a:ext>
                 </a:extLst>
               </p:cNvPr>
-              <p:cNvCxnSpPr>
-                <a:cxnSpLocks/>
-              </p:cNvCxnSpPr>
+              <p:cNvSpPr txBox="1"/>
               <p:nvPr/>
-            </p:nvCxnSpPr>
+            </p:nvSpPr>
             <p:spPr>
               <a:xfrm>
-                <a:off x="4523408" y="28197610"/>
-                <a:ext cx="0" cy="3362791"/>
+                <a:off x="6832897" y="22820160"/>
+                <a:ext cx="1213062" cy="461665"/>
               </a:xfrm>
-              <a:prstGeom prst="line">
+              <a:prstGeom prst="rect">
                 <a:avLst/>
               </a:prstGeom>
-              <a:ln>
-                <a:solidFill>
-                  <a:srgbClr val="FFE8C9"/>
-                </a:solidFill>
-              </a:ln>
+              <a:noFill/>
             </p:spPr>
-            <p:style>
-              <a:lnRef idx="3">
-                <a:schemeClr val="accent6"/>
-              </a:lnRef>
-              <a:fillRef idx="0">
-                <a:schemeClr val="accent6"/>
-              </a:fillRef>
-              <a:effectRef idx="2">
-                <a:schemeClr val="accent6"/>
-              </a:effectRef>
-              <a:fontRef idx="minor">
-                <a:schemeClr val="tx1"/>
-              </a:fontRef>
-            </p:style>
-          </p:cxnSp>
+            <p:txBody>
+              <a:bodyPr wrap="square" rtlCol="0">
+                <a:spAutoFit/>
+              </a:bodyPr>
+              <a:lstStyle/>
+              <a:p>
+                <a:r>
+                  <a:rPr lang="en-IN" sz="2400" b="1" dirty="0">
+                    <a:solidFill>
+                      <a:srgbClr val="02785F"/>
+                    </a:solidFill>
+                    <a:latin typeface="Roboto" panose="02000000000000000000" pitchFamily="2" charset="0"/>
+                    <a:ea typeface="Roboto" panose="02000000000000000000" pitchFamily="2" charset="0"/>
+                    <a:cs typeface="Raavi" panose="020B0502040204020203" pitchFamily="34" charset="0"/>
+                  </a:rPr>
+                  <a:t>19.1 s</a:t>
+                </a:r>
+              </a:p>
+            </p:txBody>
+          </p:sp>
+          <p:sp>
+            <p:nvSpPr>
+              <p:cNvPr id="166" name="TextBox 165">
+                <a:extLst>
+                  <a:ext uri="{FF2B5EF4-FFF2-40B4-BE49-F238E27FC236}">
+                    <a16:creationId xmlns:a16="http://schemas.microsoft.com/office/drawing/2014/main" id="{F81A2F7C-90DE-4BEE-AA0C-51608101B117}"/>
+                  </a:ext>
+                </a:extLst>
+              </p:cNvPr>
+              <p:cNvSpPr txBox="1"/>
+              <p:nvPr/>
+            </p:nvSpPr>
+            <p:spPr>
+              <a:xfrm>
+                <a:off x="1521920" y="25344549"/>
+                <a:ext cx="916264" cy="461665"/>
+              </a:xfrm>
+              <a:prstGeom prst="rect">
+                <a:avLst/>
+              </a:prstGeom>
+              <a:noFill/>
+            </p:spPr>
+            <p:txBody>
+              <a:bodyPr wrap="square" rtlCol="0">
+                <a:spAutoFit/>
+              </a:bodyPr>
+              <a:lstStyle/>
+              <a:p>
+                <a:r>
+                  <a:rPr lang="en-IN" sz="2400" b="1" dirty="0">
+                    <a:solidFill>
+                      <a:srgbClr val="000760"/>
+                    </a:solidFill>
+                    <a:latin typeface="Roboto" panose="02000000000000000000" pitchFamily="2" charset="0"/>
+                    <a:ea typeface="Roboto" panose="02000000000000000000" pitchFamily="2" charset="0"/>
+                    <a:cs typeface="Raavi" panose="020B0502040204020203" pitchFamily="34" charset="0"/>
+                  </a:rPr>
+                  <a:t>3.4 s</a:t>
+                </a:r>
+              </a:p>
+            </p:txBody>
+          </p:sp>
         </p:grpSp>
-        <p:sp>
-          <p:nvSpPr>
-            <p:cNvPr id="243" name="TextBox 242">
-              <a:extLst>
-                <a:ext uri="{FF2B5EF4-FFF2-40B4-BE49-F238E27FC236}">
-                  <a16:creationId xmlns:a16="http://schemas.microsoft.com/office/drawing/2014/main" id="{8155C032-4B8F-4937-AD66-BB962136C509}"/>
-                </a:ext>
-              </a:extLst>
-            </p:cNvPr>
-            <p:cNvSpPr txBox="1"/>
-            <p:nvPr/>
-          </p:nvSpPr>
-          <p:spPr>
-            <a:xfrm>
-              <a:off x="4320276" y="25823000"/>
-              <a:ext cx="567817" cy="418339"/>
-            </a:xfrm>
-            <a:prstGeom prst="rect">
-              <a:avLst/>
-            </a:prstGeom>
-            <a:noFill/>
-          </p:spPr>
-          <p:txBody>
-            <a:bodyPr wrap="square" rtlCol="0">
-              <a:spAutoFit/>
-            </a:bodyPr>
-            <a:lstStyle/>
-            <a:p>
-              <a:r>
-                <a:rPr lang="en-IN" sz="2000" dirty="0">
-                  <a:latin typeface="Roboto" panose="02000000000000000000" pitchFamily="2" charset="0"/>
-                  <a:ea typeface="Roboto" panose="02000000000000000000" pitchFamily="2" charset="0"/>
-                </a:rPr>
-                <a:t>10</a:t>
-              </a:r>
-            </a:p>
-          </p:txBody>
-        </p:sp>
-        <p:sp>
-          <p:nvSpPr>
-            <p:cNvPr id="246" name="Rectangle 245">
-              <a:extLst>
-                <a:ext uri="{FF2B5EF4-FFF2-40B4-BE49-F238E27FC236}">
-                  <a16:creationId xmlns:a16="http://schemas.microsoft.com/office/drawing/2014/main" id="{7EDCC33E-A6FC-4150-97CC-E12356911CD1}"/>
-                </a:ext>
-              </a:extLst>
-            </p:cNvPr>
-            <p:cNvSpPr/>
-            <p:nvPr/>
-          </p:nvSpPr>
-          <p:spPr>
-            <a:xfrm>
-              <a:off x="867445" y="23294190"/>
-              <a:ext cx="6977830" cy="675776"/>
-            </a:xfrm>
-            <a:prstGeom prst="rect">
-              <a:avLst/>
-            </a:prstGeom>
-            <a:solidFill>
-              <a:srgbClr val="DBEDF3"/>
-            </a:solidFill>
-            <a:ln>
-              <a:noFill/>
-            </a:ln>
-          </p:spPr>
-          <p:style>
-            <a:lnRef idx="2">
-              <a:schemeClr val="accent1">
-                <a:shade val="50000"/>
-              </a:schemeClr>
-            </a:lnRef>
-            <a:fillRef idx="1">
-              <a:schemeClr val="accent1"/>
-            </a:fillRef>
-            <a:effectRef idx="0">
-              <a:schemeClr val="accent1"/>
-            </a:effectRef>
-            <a:fontRef idx="minor">
-              <a:schemeClr val="lt1"/>
-            </a:fontRef>
-          </p:style>
-          <p:txBody>
-            <a:bodyPr rtlCol="0" anchor="ctr"/>
-            <a:lstStyle/>
-            <a:p>
-              <a:pPr algn="ctr"/>
-              <a:r>
-                <a:rPr lang="en-IN" dirty="0"/>
-                <a:t>19.1 sec</a:t>
-              </a:r>
-            </a:p>
-          </p:txBody>
-        </p:sp>
-        <p:sp>
-          <p:nvSpPr>
-            <p:cNvPr id="247" name="Rectangle 246">
-              <a:extLst>
-                <a:ext uri="{FF2B5EF4-FFF2-40B4-BE49-F238E27FC236}">
-                  <a16:creationId xmlns:a16="http://schemas.microsoft.com/office/drawing/2014/main" id="{FA270B86-92C1-42F5-852C-60FF33F58F43}"/>
-                </a:ext>
-              </a:extLst>
-            </p:cNvPr>
-            <p:cNvSpPr/>
-            <p:nvPr/>
-          </p:nvSpPr>
-          <p:spPr>
-            <a:xfrm>
-              <a:off x="858293" y="24508138"/>
-              <a:ext cx="1613804" cy="841089"/>
-            </a:xfrm>
-            <a:prstGeom prst="rect">
-              <a:avLst/>
-            </a:prstGeom>
-            <a:solidFill>
-              <a:srgbClr val="FEFAEC"/>
-            </a:solidFill>
-            <a:ln>
-              <a:noFill/>
-            </a:ln>
-          </p:spPr>
-          <p:style>
-            <a:lnRef idx="2">
-              <a:schemeClr val="accent1">
-                <a:shade val="50000"/>
-              </a:schemeClr>
-            </a:lnRef>
-            <a:fillRef idx="1">
-              <a:schemeClr val="accent1"/>
-            </a:fillRef>
-            <a:effectRef idx="0">
-              <a:schemeClr val="accent1"/>
-            </a:effectRef>
-            <a:fontRef idx="minor">
-              <a:schemeClr val="lt1"/>
-            </a:fontRef>
-          </p:style>
-          <p:txBody>
-            <a:bodyPr rtlCol="0" anchor="ctr"/>
-            <a:lstStyle/>
-            <a:p>
-              <a:pPr algn="ctr"/>
-              <a:r>
-                <a:rPr lang="en-IN" dirty="0"/>
-                <a:t>\</a:t>
-              </a:r>
-            </a:p>
-          </p:txBody>
-        </p:sp>
-        <p:pic>
-          <p:nvPicPr>
-            <p:cNvPr id="220" name="Graphic 219">
-              <a:extLst>
-                <a:ext uri="{FF2B5EF4-FFF2-40B4-BE49-F238E27FC236}">
-                  <a16:creationId xmlns:a16="http://schemas.microsoft.com/office/drawing/2014/main" id="{E1D34324-4366-4C18-9818-2A4A95C15CF3}"/>
-                </a:ext>
-              </a:extLst>
-            </p:cNvPr>
-            <p:cNvPicPr>
-              <a:picLocks noChangeAspect="1"/>
-            </p:cNvPicPr>
-            <p:nvPr/>
-          </p:nvPicPr>
-          <p:blipFill>
-            <a:blip r:embed="rId11">
-              <a:extLst>
-                <a:ext uri="{28A0092B-C50C-407E-A947-70E740481C1C}">
-                  <a14:useLocalDpi xmlns:a14="http://schemas.microsoft.com/office/drawing/2010/main" val="0"/>
-                </a:ext>
-                <a:ext uri="{96DAC541-7B7A-43D3-8B79-37D633B846F1}">
-                  <asvg:svgBlip xmlns:asvg="http://schemas.microsoft.com/office/drawing/2016/SVG/main" r:embed="rId12"/>
-                </a:ext>
-              </a:extLst>
-            </a:blip>
-            <a:stretch>
-              <a:fillRect/>
-            </a:stretch>
-          </p:blipFill>
-          <p:spPr>
-            <a:xfrm flipH="1">
-              <a:off x="8951630" y="23080891"/>
-              <a:ext cx="1328799" cy="1328799"/>
-            </a:xfrm>
-            <a:prstGeom prst="rect">
-              <a:avLst/>
-            </a:prstGeom>
-          </p:spPr>
-        </p:pic>
-        <p:pic>
-          <p:nvPicPr>
-            <p:cNvPr id="222" name="Graphic 221">
-              <a:extLst>
-                <a:ext uri="{FF2B5EF4-FFF2-40B4-BE49-F238E27FC236}">
-                  <a16:creationId xmlns:a16="http://schemas.microsoft.com/office/drawing/2014/main" id="{5BEA0030-DE39-4439-A66A-8867A3092276}"/>
-                </a:ext>
-              </a:extLst>
-            </p:cNvPr>
-            <p:cNvPicPr>
-              <a:picLocks noChangeAspect="1"/>
-            </p:cNvPicPr>
-            <p:nvPr/>
-          </p:nvPicPr>
-          <p:blipFill>
-            <a:blip r:embed="rId13">
-              <a:extLst>
-                <a:ext uri="{28A0092B-C50C-407E-A947-70E740481C1C}">
-                  <a14:useLocalDpi xmlns:a14="http://schemas.microsoft.com/office/drawing/2010/main" val="0"/>
-                </a:ext>
-                <a:ext uri="{96DAC541-7B7A-43D3-8B79-37D633B846F1}">
-                  <asvg:svgBlip xmlns:asvg="http://schemas.microsoft.com/office/drawing/2016/SVG/main" r:embed="rId14"/>
-                </a:ext>
-              </a:extLst>
-            </a:blip>
-            <a:stretch>
-              <a:fillRect/>
-            </a:stretch>
-          </p:blipFill>
-          <p:spPr>
-            <a:xfrm>
-              <a:off x="9036334" y="24819699"/>
-              <a:ext cx="1092571" cy="1092571"/>
-            </a:xfrm>
-            <a:prstGeom prst="rect">
-              <a:avLst/>
-            </a:prstGeom>
-          </p:spPr>
-        </p:pic>
-        <p:sp>
-          <p:nvSpPr>
-            <p:cNvPr id="261" name="TextBox 260">
-              <a:extLst>
-                <a:ext uri="{FF2B5EF4-FFF2-40B4-BE49-F238E27FC236}">
-                  <a16:creationId xmlns:a16="http://schemas.microsoft.com/office/drawing/2014/main" id="{E03A414D-4897-4B43-8ADB-CE19963E3F61}"/>
-                </a:ext>
-              </a:extLst>
-            </p:cNvPr>
-            <p:cNvSpPr txBox="1"/>
-            <p:nvPr/>
-          </p:nvSpPr>
-          <p:spPr>
-            <a:xfrm>
-              <a:off x="10461152" y="23433002"/>
-              <a:ext cx="2266457" cy="553998"/>
-            </a:xfrm>
-            <a:prstGeom prst="rect">
-              <a:avLst/>
-            </a:prstGeom>
-            <a:noFill/>
-          </p:spPr>
-          <p:txBody>
-            <a:bodyPr wrap="square" rtlCol="0">
-              <a:spAutoFit/>
-            </a:bodyPr>
-            <a:lstStyle/>
-            <a:p>
-              <a:r>
-                <a:rPr lang="en-IN" sz="3000" dirty="0">
-                  <a:solidFill>
-                    <a:schemeClr val="accent4">
-                      <a:lumMod val="75000"/>
-                    </a:schemeClr>
-                  </a:solidFill>
-                  <a:latin typeface="Montserrat Semi Bold" panose="00000700000000000000" pitchFamily="50" charset="0"/>
-                  <a:ea typeface="Roboto" panose="02000000000000000000" pitchFamily="2" charset="0"/>
-                </a:rPr>
-                <a:t>Static A*</a:t>
-              </a:r>
-            </a:p>
-          </p:txBody>
-        </p:sp>
-        <p:sp>
-          <p:nvSpPr>
-            <p:cNvPr id="262" name="TextBox 261">
-              <a:extLst>
-                <a:ext uri="{FF2B5EF4-FFF2-40B4-BE49-F238E27FC236}">
-                  <a16:creationId xmlns:a16="http://schemas.microsoft.com/office/drawing/2014/main" id="{A467D1E9-F7E9-4405-8D9A-4A3CD0A6B549}"/>
-                </a:ext>
-              </a:extLst>
-            </p:cNvPr>
-            <p:cNvSpPr txBox="1"/>
-            <p:nvPr/>
-          </p:nvSpPr>
-          <p:spPr>
-            <a:xfrm>
-              <a:off x="481900" y="26211220"/>
-              <a:ext cx="7437157" cy="430887"/>
-            </a:xfrm>
-            <a:prstGeom prst="rect">
-              <a:avLst/>
-            </a:prstGeom>
-            <a:noFill/>
-          </p:spPr>
-          <p:txBody>
-            <a:bodyPr wrap="square" rtlCol="0">
-              <a:spAutoFit/>
-            </a:bodyPr>
-            <a:lstStyle/>
-            <a:p>
-              <a:pPr algn="ctr"/>
-              <a:r>
-                <a:rPr lang="en-IN" sz="2200" dirty="0">
-                  <a:latin typeface="Roboto" panose="02000000000000000000" pitchFamily="2" charset="0"/>
-                  <a:ea typeface="Roboto" panose="02000000000000000000" pitchFamily="2" charset="0"/>
-                </a:rPr>
-                <a:t>Time (in seconds)</a:t>
-              </a:r>
-            </a:p>
-          </p:txBody>
-        </p:sp>
-        <p:pic>
-          <p:nvPicPr>
-            <p:cNvPr id="263" name="Graphic 262">
-              <a:extLst>
-                <a:ext uri="{FF2B5EF4-FFF2-40B4-BE49-F238E27FC236}">
-                  <a16:creationId xmlns:a16="http://schemas.microsoft.com/office/drawing/2014/main" id="{4C9FD854-CE37-45B8-8A9E-CE715A7F33EA}"/>
-                </a:ext>
-              </a:extLst>
-            </p:cNvPr>
-            <p:cNvPicPr>
-              <a:picLocks noChangeAspect="1"/>
-            </p:cNvPicPr>
-            <p:nvPr/>
-          </p:nvPicPr>
-          <p:blipFill>
-            <a:blip r:embed="rId15">
-              <a:extLst>
-                <a:ext uri="{28A0092B-C50C-407E-A947-70E740481C1C}">
-                  <a14:useLocalDpi xmlns:a14="http://schemas.microsoft.com/office/drawing/2010/main" val="0"/>
-                </a:ext>
-                <a:ext uri="{96DAC541-7B7A-43D3-8B79-37D633B846F1}">
-                  <asvg:svgBlip xmlns:asvg="http://schemas.microsoft.com/office/drawing/2016/SVG/main" r:embed="rId16"/>
-                </a:ext>
-              </a:extLst>
-            </a:blip>
-            <a:stretch>
-              <a:fillRect/>
-            </a:stretch>
-          </p:blipFill>
-          <p:spPr>
-            <a:xfrm flipH="1">
-              <a:off x="793852" y="23032304"/>
-              <a:ext cx="1254904" cy="1230022"/>
-            </a:xfrm>
-            <a:prstGeom prst="rect">
-              <a:avLst/>
-            </a:prstGeom>
-          </p:spPr>
-        </p:pic>
-        <p:pic>
-          <p:nvPicPr>
-            <p:cNvPr id="264" name="Graphic 263">
-              <a:extLst>
-                <a:ext uri="{FF2B5EF4-FFF2-40B4-BE49-F238E27FC236}">
-                  <a16:creationId xmlns:a16="http://schemas.microsoft.com/office/drawing/2014/main" id="{D1F2B735-5592-480B-A85A-3BF982DC8B8F}"/>
-                </a:ext>
-              </a:extLst>
-            </p:cNvPr>
-            <p:cNvPicPr>
-              <a:picLocks noChangeAspect="1"/>
-            </p:cNvPicPr>
-            <p:nvPr/>
-          </p:nvPicPr>
-          <p:blipFill>
-            <a:blip r:embed="rId15">
-              <a:extLst>
-                <a:ext uri="{28A0092B-C50C-407E-A947-70E740481C1C}">
-                  <a14:useLocalDpi xmlns:a14="http://schemas.microsoft.com/office/drawing/2010/main" val="0"/>
-                </a:ext>
-                <a:ext uri="{96DAC541-7B7A-43D3-8B79-37D633B846F1}">
-                  <asvg:svgBlip xmlns:asvg="http://schemas.microsoft.com/office/drawing/2016/SVG/main" r:embed="rId16"/>
-                </a:ext>
-              </a:extLst>
-            </a:blip>
-            <a:stretch>
-              <a:fillRect/>
-            </a:stretch>
-          </p:blipFill>
-          <p:spPr>
-            <a:xfrm flipH="1">
-              <a:off x="2006097" y="23027611"/>
-              <a:ext cx="1245455" cy="1245455"/>
-            </a:xfrm>
-            <a:prstGeom prst="rect">
-              <a:avLst/>
-            </a:prstGeom>
-          </p:spPr>
-        </p:pic>
-        <p:pic>
-          <p:nvPicPr>
-            <p:cNvPr id="265" name="Graphic 264">
-              <a:extLst>
-                <a:ext uri="{FF2B5EF4-FFF2-40B4-BE49-F238E27FC236}">
-                  <a16:creationId xmlns:a16="http://schemas.microsoft.com/office/drawing/2014/main" id="{885C508F-766E-46A8-9DE2-BD141A50E203}"/>
-                </a:ext>
-              </a:extLst>
-            </p:cNvPr>
-            <p:cNvPicPr>
-              <a:picLocks noChangeAspect="1"/>
-            </p:cNvPicPr>
-            <p:nvPr/>
-          </p:nvPicPr>
-          <p:blipFill>
-            <a:blip r:embed="rId15">
-              <a:extLst>
-                <a:ext uri="{28A0092B-C50C-407E-A947-70E740481C1C}">
-                  <a14:useLocalDpi xmlns:a14="http://schemas.microsoft.com/office/drawing/2010/main" val="0"/>
-                </a:ext>
-                <a:ext uri="{96DAC541-7B7A-43D3-8B79-37D633B846F1}">
-                  <asvg:svgBlip xmlns:asvg="http://schemas.microsoft.com/office/drawing/2016/SVG/main" r:embed="rId16"/>
-                </a:ext>
-              </a:extLst>
-            </a:blip>
-            <a:stretch>
-              <a:fillRect/>
-            </a:stretch>
-          </p:blipFill>
-          <p:spPr>
-            <a:xfrm flipH="1">
-              <a:off x="3228779" y="23025560"/>
-              <a:ext cx="1226385" cy="1226385"/>
-            </a:xfrm>
-            <a:prstGeom prst="rect">
-              <a:avLst/>
-            </a:prstGeom>
-          </p:spPr>
-        </p:pic>
-        <p:pic>
-          <p:nvPicPr>
-            <p:cNvPr id="266" name="Graphic 265">
-              <a:extLst>
-                <a:ext uri="{FF2B5EF4-FFF2-40B4-BE49-F238E27FC236}">
-                  <a16:creationId xmlns:a16="http://schemas.microsoft.com/office/drawing/2014/main" id="{3132AAAB-2F12-43C3-820A-75EA3E017B83}"/>
-                </a:ext>
-              </a:extLst>
-            </p:cNvPr>
-            <p:cNvPicPr>
-              <a:picLocks noChangeAspect="1"/>
-            </p:cNvPicPr>
-            <p:nvPr/>
-          </p:nvPicPr>
-          <p:blipFill>
-            <a:blip r:embed="rId15">
-              <a:extLst>
-                <a:ext uri="{28A0092B-C50C-407E-A947-70E740481C1C}">
-                  <a14:useLocalDpi xmlns:a14="http://schemas.microsoft.com/office/drawing/2010/main" val="0"/>
-                </a:ext>
-                <a:ext uri="{96DAC541-7B7A-43D3-8B79-37D633B846F1}">
-                  <asvg:svgBlip xmlns:asvg="http://schemas.microsoft.com/office/drawing/2016/SVG/main" r:embed="rId16"/>
-                </a:ext>
-              </a:extLst>
-            </a:blip>
-            <a:stretch>
-              <a:fillRect/>
-            </a:stretch>
-          </p:blipFill>
-          <p:spPr>
-            <a:xfrm flipH="1">
-              <a:off x="4475113" y="23020356"/>
-              <a:ext cx="1226386" cy="1226386"/>
-            </a:xfrm>
-            <a:prstGeom prst="rect">
-              <a:avLst/>
-            </a:prstGeom>
-          </p:spPr>
-        </p:pic>
-        <p:pic>
-          <p:nvPicPr>
-            <p:cNvPr id="267" name="Graphic 266">
-              <a:extLst>
-                <a:ext uri="{FF2B5EF4-FFF2-40B4-BE49-F238E27FC236}">
-                  <a16:creationId xmlns:a16="http://schemas.microsoft.com/office/drawing/2014/main" id="{4A8858B4-80D6-48F9-97D8-8E3D98BB5A0D}"/>
-                </a:ext>
-              </a:extLst>
-            </p:cNvPr>
-            <p:cNvPicPr>
-              <a:picLocks noChangeAspect="1"/>
-            </p:cNvPicPr>
-            <p:nvPr/>
-          </p:nvPicPr>
-          <p:blipFill>
-            <a:blip r:embed="rId15">
-              <a:extLst>
-                <a:ext uri="{28A0092B-C50C-407E-A947-70E740481C1C}">
-                  <a14:useLocalDpi xmlns:a14="http://schemas.microsoft.com/office/drawing/2010/main" val="0"/>
-                </a:ext>
-                <a:ext uri="{96DAC541-7B7A-43D3-8B79-37D633B846F1}">
-                  <asvg:svgBlip xmlns:asvg="http://schemas.microsoft.com/office/drawing/2016/SVG/main" r:embed="rId16"/>
-                </a:ext>
-              </a:extLst>
-            </a:blip>
-            <a:stretch>
-              <a:fillRect/>
-            </a:stretch>
-          </p:blipFill>
-          <p:spPr>
-            <a:xfrm flipH="1">
-              <a:off x="5680660" y="22998350"/>
-              <a:ext cx="1226386" cy="1226386"/>
-            </a:xfrm>
-            <a:prstGeom prst="rect">
-              <a:avLst/>
-            </a:prstGeom>
-          </p:spPr>
-        </p:pic>
-        <p:pic>
-          <p:nvPicPr>
-            <p:cNvPr id="268" name="Graphic 267">
-              <a:extLst>
-                <a:ext uri="{FF2B5EF4-FFF2-40B4-BE49-F238E27FC236}">
-                  <a16:creationId xmlns:a16="http://schemas.microsoft.com/office/drawing/2014/main" id="{3B196D8C-B7C8-40A6-BF22-746BB09580BB}"/>
-                </a:ext>
-              </a:extLst>
-            </p:cNvPr>
-            <p:cNvPicPr>
-              <a:picLocks noChangeAspect="1"/>
-            </p:cNvPicPr>
-            <p:nvPr/>
-          </p:nvPicPr>
-          <p:blipFill>
-            <a:blip r:embed="rId11">
-              <a:extLst>
-                <a:ext uri="{28A0092B-C50C-407E-A947-70E740481C1C}">
-                  <a14:useLocalDpi xmlns:a14="http://schemas.microsoft.com/office/drawing/2010/main" val="0"/>
-                </a:ext>
-                <a:ext uri="{96DAC541-7B7A-43D3-8B79-37D633B846F1}">
-                  <asvg:svgBlip xmlns:asvg="http://schemas.microsoft.com/office/drawing/2016/SVG/main" r:embed="rId12"/>
-                </a:ext>
-              </a:extLst>
-            </a:blip>
-            <a:stretch>
-              <a:fillRect/>
-            </a:stretch>
-          </p:blipFill>
-          <p:spPr>
-            <a:xfrm flipH="1">
-              <a:off x="6799819" y="23020356"/>
-              <a:ext cx="1217377" cy="1217377"/>
-            </a:xfrm>
-            <a:prstGeom prst="rect">
-              <a:avLst/>
-            </a:prstGeom>
-          </p:spPr>
-        </p:pic>
-        <p:sp>
-          <p:nvSpPr>
-            <p:cNvPr id="271" name="Rectangle 270">
-              <a:extLst>
-                <a:ext uri="{FF2B5EF4-FFF2-40B4-BE49-F238E27FC236}">
-                  <a16:creationId xmlns:a16="http://schemas.microsoft.com/office/drawing/2014/main" id="{D9710832-4A2E-49BB-A802-289C94BA540F}"/>
-                </a:ext>
-              </a:extLst>
-            </p:cNvPr>
-            <p:cNvSpPr/>
-            <p:nvPr/>
-          </p:nvSpPr>
-          <p:spPr>
-            <a:xfrm>
-              <a:off x="7819162" y="23306475"/>
-              <a:ext cx="426236" cy="675776"/>
-            </a:xfrm>
-            <a:prstGeom prst="rect">
-              <a:avLst/>
-            </a:prstGeom>
-            <a:solidFill>
-              <a:schemeClr val="bg1"/>
-            </a:solidFill>
-            <a:ln>
-              <a:noFill/>
-            </a:ln>
-          </p:spPr>
-          <p:style>
-            <a:lnRef idx="2">
-              <a:schemeClr val="accent1">
-                <a:shade val="50000"/>
-              </a:schemeClr>
-            </a:lnRef>
-            <a:fillRef idx="1">
-              <a:schemeClr val="accent1"/>
-            </a:fillRef>
-            <a:effectRef idx="0">
-              <a:schemeClr val="accent1"/>
-            </a:effectRef>
-            <a:fontRef idx="minor">
-              <a:schemeClr val="lt1"/>
-            </a:fontRef>
-          </p:style>
-          <p:txBody>
-            <a:bodyPr rtlCol="0" anchor="ctr"/>
-            <a:lstStyle/>
-            <a:p>
-              <a:pPr algn="ctr"/>
-              <a:endParaRPr lang="en-IN"/>
-            </a:p>
-          </p:txBody>
-        </p:sp>
-        <p:pic>
-          <p:nvPicPr>
-            <p:cNvPr id="269" name="Graphic 268">
-              <a:extLst>
-                <a:ext uri="{FF2B5EF4-FFF2-40B4-BE49-F238E27FC236}">
-                  <a16:creationId xmlns:a16="http://schemas.microsoft.com/office/drawing/2014/main" id="{210C780F-A99A-4CCF-A17D-D1D6C2BEAE81}"/>
-                </a:ext>
-              </a:extLst>
-            </p:cNvPr>
-            <p:cNvPicPr>
-              <a:picLocks noChangeAspect="1"/>
-            </p:cNvPicPr>
-            <p:nvPr/>
-          </p:nvPicPr>
-          <p:blipFill>
-            <a:blip r:embed="rId13">
-              <a:extLst>
-                <a:ext uri="{28A0092B-C50C-407E-A947-70E740481C1C}">
-                  <a14:useLocalDpi xmlns:a14="http://schemas.microsoft.com/office/drawing/2010/main" val="0"/>
-                </a:ext>
-                <a:ext uri="{96DAC541-7B7A-43D3-8B79-37D633B846F1}">
-                  <asvg:svgBlip xmlns:asvg="http://schemas.microsoft.com/office/drawing/2016/SVG/main" r:embed="rId14"/>
-                </a:ext>
-              </a:extLst>
-            </a:blip>
-            <a:stretch>
-              <a:fillRect/>
-            </a:stretch>
-          </p:blipFill>
-          <p:spPr>
-            <a:xfrm>
-              <a:off x="867446" y="24531598"/>
-              <a:ext cx="930496" cy="841089"/>
-            </a:xfrm>
-            <a:prstGeom prst="rect">
-              <a:avLst/>
-            </a:prstGeom>
-          </p:spPr>
-        </p:pic>
-        <p:pic>
-          <p:nvPicPr>
-            <p:cNvPr id="270" name="Graphic 269">
-              <a:extLst>
-                <a:ext uri="{FF2B5EF4-FFF2-40B4-BE49-F238E27FC236}">
-                  <a16:creationId xmlns:a16="http://schemas.microsoft.com/office/drawing/2014/main" id="{10FB9EE9-0872-4A5F-8C7F-973429ABF923}"/>
-                </a:ext>
-              </a:extLst>
-            </p:cNvPr>
-            <p:cNvPicPr>
-              <a:picLocks noChangeAspect="1"/>
-            </p:cNvPicPr>
-            <p:nvPr/>
-          </p:nvPicPr>
-          <p:blipFill>
-            <a:blip r:embed="rId13">
-              <a:extLst>
-                <a:ext uri="{28A0092B-C50C-407E-A947-70E740481C1C}">
-                  <a14:useLocalDpi xmlns:a14="http://schemas.microsoft.com/office/drawing/2010/main" val="0"/>
-                </a:ext>
-                <a:ext uri="{96DAC541-7B7A-43D3-8B79-37D633B846F1}">
-                  <asvg:svgBlip xmlns:asvg="http://schemas.microsoft.com/office/drawing/2016/SVG/main" r:embed="rId14"/>
-                </a:ext>
-              </a:extLst>
-            </a:blip>
-            <a:stretch>
-              <a:fillRect/>
-            </a:stretch>
-          </p:blipFill>
-          <p:spPr>
-            <a:xfrm>
-              <a:off x="1858453" y="24577654"/>
-              <a:ext cx="738250" cy="810294"/>
-            </a:xfrm>
-            <a:prstGeom prst="rect">
-              <a:avLst/>
-            </a:prstGeom>
-          </p:spPr>
-        </p:pic>
-        <p:sp>
-          <p:nvSpPr>
-            <p:cNvPr id="272" name="Rectangle 271">
-              <a:extLst>
-                <a:ext uri="{FF2B5EF4-FFF2-40B4-BE49-F238E27FC236}">
-                  <a16:creationId xmlns:a16="http://schemas.microsoft.com/office/drawing/2014/main" id="{652867D1-FA5C-4FC8-8365-7F60301ECC03}"/>
-                </a:ext>
-              </a:extLst>
-            </p:cNvPr>
-            <p:cNvSpPr/>
-            <p:nvPr/>
-          </p:nvSpPr>
-          <p:spPr>
-            <a:xfrm>
-              <a:off x="2213178" y="24509174"/>
-              <a:ext cx="499201" cy="880003"/>
-            </a:xfrm>
-            <a:prstGeom prst="rect">
-              <a:avLst/>
-            </a:prstGeom>
-            <a:solidFill>
-              <a:schemeClr val="bg1"/>
-            </a:solidFill>
-            <a:ln>
-              <a:noFill/>
-            </a:ln>
-          </p:spPr>
-          <p:style>
-            <a:lnRef idx="2">
-              <a:schemeClr val="accent1">
-                <a:shade val="50000"/>
-              </a:schemeClr>
-            </a:lnRef>
-            <a:fillRef idx="1">
-              <a:schemeClr val="accent1"/>
-            </a:fillRef>
-            <a:effectRef idx="0">
-              <a:schemeClr val="accent1"/>
-            </a:effectRef>
-            <a:fontRef idx="minor">
-              <a:schemeClr val="lt1"/>
-            </a:fontRef>
-          </p:style>
-          <p:txBody>
-            <a:bodyPr rtlCol="0" anchor="ctr"/>
-            <a:lstStyle/>
-            <a:p>
-              <a:pPr algn="ctr"/>
-              <a:endParaRPr lang="en-IN" dirty="0"/>
-            </a:p>
-          </p:txBody>
-        </p:sp>
-        <p:sp>
-          <p:nvSpPr>
-            <p:cNvPr id="9" name="TextBox 8">
-              <a:extLst>
-                <a:ext uri="{FF2B5EF4-FFF2-40B4-BE49-F238E27FC236}">
-                  <a16:creationId xmlns:a16="http://schemas.microsoft.com/office/drawing/2014/main" id="{ECE52963-49D6-4E7F-B332-E6D5EDACD286}"/>
-                </a:ext>
-              </a:extLst>
-            </p:cNvPr>
-            <p:cNvSpPr txBox="1"/>
-            <p:nvPr/>
-          </p:nvSpPr>
-          <p:spPr>
-            <a:xfrm>
-              <a:off x="6832897" y="22820160"/>
-              <a:ext cx="1213062" cy="461665"/>
-            </a:xfrm>
-            <a:prstGeom prst="rect">
-              <a:avLst/>
-            </a:prstGeom>
-            <a:noFill/>
-          </p:spPr>
-          <p:txBody>
-            <a:bodyPr wrap="square" rtlCol="0">
-              <a:spAutoFit/>
-            </a:bodyPr>
-            <a:lstStyle/>
-            <a:p>
-              <a:r>
-                <a:rPr lang="en-IN" sz="2400" b="1" dirty="0">
-                  <a:solidFill>
-                    <a:srgbClr val="02785F"/>
-                  </a:solidFill>
-                  <a:latin typeface="Roboto" panose="02000000000000000000" pitchFamily="2" charset="0"/>
-                  <a:ea typeface="Roboto" panose="02000000000000000000" pitchFamily="2" charset="0"/>
-                  <a:cs typeface="Raavi" panose="020B0502040204020203" pitchFamily="34" charset="0"/>
-                </a:rPr>
-                <a:t>19.1 s</a:t>
-              </a:r>
-            </a:p>
-          </p:txBody>
-        </p:sp>
-        <p:sp>
-          <p:nvSpPr>
-            <p:cNvPr id="166" name="TextBox 165">
-              <a:extLst>
-                <a:ext uri="{FF2B5EF4-FFF2-40B4-BE49-F238E27FC236}">
-                  <a16:creationId xmlns:a16="http://schemas.microsoft.com/office/drawing/2014/main" id="{F81A2F7C-90DE-4BEE-AA0C-51608101B117}"/>
-                </a:ext>
-              </a:extLst>
-            </p:cNvPr>
-            <p:cNvSpPr txBox="1"/>
-            <p:nvPr/>
-          </p:nvSpPr>
-          <p:spPr>
-            <a:xfrm>
-              <a:off x="1521920" y="25344549"/>
-              <a:ext cx="916264" cy="461665"/>
-            </a:xfrm>
-            <a:prstGeom prst="rect">
-              <a:avLst/>
-            </a:prstGeom>
-            <a:noFill/>
-          </p:spPr>
-          <p:txBody>
-            <a:bodyPr wrap="square" rtlCol="0">
-              <a:spAutoFit/>
-            </a:bodyPr>
-            <a:lstStyle/>
-            <a:p>
-              <a:r>
-                <a:rPr lang="en-IN" sz="2400" b="1" dirty="0">
-                  <a:solidFill>
-                    <a:srgbClr val="000760"/>
-                  </a:solidFill>
-                  <a:latin typeface="Roboto" panose="02000000000000000000" pitchFamily="2" charset="0"/>
-                  <a:ea typeface="Roboto" panose="02000000000000000000" pitchFamily="2" charset="0"/>
-                  <a:cs typeface="Raavi" panose="020B0502040204020203" pitchFamily="34" charset="0"/>
-                </a:rPr>
-                <a:t>3.4 s</a:t>
-              </a:r>
-            </a:p>
-          </p:txBody>
-        </p:sp>
       </p:grpSp>
       <p:pic>
         <p:nvPicPr>
@@ -14104,7 +14125,7 @@
                 <a:latin typeface="Arial" panose="020B0604020202020204" pitchFamily="34" charset="0"/>
                 <a:cs typeface="Arial" panose="020B0604020202020204" pitchFamily="34" charset="0"/>
               </a:rPr>
-              <a:t> then compute 		   cost of child from each of its 	    				    neighbour and add it to update_list.</a:t>
+              <a:t> then compute 		   cost of child from each of its 	    				   neighbour and add it to update_list.</a:t>
             </a:r>
           </a:p>
         </p:txBody>

--- a/poster/poster3.pptx
+++ b/poster/poster3.pptx
@@ -6849,10 +6849,10 @@
       </p:grpSpPr>
       <p:pic>
         <p:nvPicPr>
-          <p:cNvPr id="86" name="Picture 85">
+          <p:cNvPr id="16" name="Picture 15">
             <a:extLst>
               <a:ext uri="{FF2B5EF4-FFF2-40B4-BE49-F238E27FC236}">
-                <a16:creationId xmlns:a16="http://schemas.microsoft.com/office/drawing/2014/main" id="{4822EC51-A0EC-465D-8217-3AC1F11F32E2}"/>
+                <a16:creationId xmlns:a16="http://schemas.microsoft.com/office/drawing/2014/main" id="{417F33B5-1362-4579-BC5A-84066CE53DFD}"/>
               </a:ext>
             </a:extLst>
           </p:cNvPr>
@@ -6861,7 +6861,7 @@
           </p:cNvPicPr>
           <p:nvPr/>
         </p:nvPicPr>
-        <p:blipFill>
+        <p:blipFill rotWithShape="1">
           <a:blip r:embed="rId2">
             <a:extLst>
               <a:ext uri="{28A0092B-C50C-407E-A947-70E740481C1C}">
@@ -6869,14 +6869,48 @@
               </a:ext>
             </a:extLst>
           </a:blip>
-          <a:stretch>
-            <a:fillRect/>
-          </a:stretch>
+          <a:srcRect l="3545" t="3666" r="3353" b="2167"/>
+          <a:stretch/>
         </p:blipFill>
         <p:spPr>
           <a:xfrm>
-            <a:off x="619853" y="16904316"/>
-            <a:ext cx="5600700" cy="5257800"/>
+            <a:off x="994580" y="32106119"/>
+            <a:ext cx="4773427" cy="5093115"/>
+          </a:xfrm>
+          <a:prstGeom prst="rect">
+            <a:avLst/>
+          </a:prstGeom>
+        </p:spPr>
+      </p:pic>
+      <p:pic>
+        <p:nvPicPr>
+          <p:cNvPr id="13" name="Picture 12">
+            <a:extLst>
+              <a:ext uri="{FF2B5EF4-FFF2-40B4-BE49-F238E27FC236}">
+                <a16:creationId xmlns:a16="http://schemas.microsoft.com/office/drawing/2014/main" id="{BCB546BB-E7D0-4777-A3E7-203DFBCDDA81}"/>
+              </a:ext>
+            </a:extLst>
+          </p:cNvPr>
+          <p:cNvPicPr>
+            <a:picLocks noChangeAspect="1"/>
+          </p:cNvPicPr>
+          <p:nvPr/>
+        </p:nvPicPr>
+        <p:blipFill rotWithShape="1">
+          <a:blip r:embed="rId3">
+            <a:extLst>
+              <a:ext uri="{28A0092B-C50C-407E-A947-70E740481C1C}">
+                <a14:useLocalDpi xmlns:a14="http://schemas.microsoft.com/office/drawing/2010/main" val="0"/>
+              </a:ext>
+            </a:extLst>
+          </a:blip>
+          <a:srcRect l="2839" t="4214" r="3789" b="3964"/>
+          <a:stretch/>
+        </p:blipFill>
+        <p:spPr>
+          <a:xfrm>
+            <a:off x="716880" y="17049021"/>
+            <a:ext cx="5287582" cy="4855104"/>
           </a:xfrm>
           <a:prstGeom prst="rect">
             <a:avLst/>
@@ -7482,7 +7516,7 @@
             </p:xfrm>
             <a:graphic>
               <a:graphicData uri="http://schemas.openxmlformats.org/drawingml/2006/chart">
-                <c:chart xmlns:c="http://schemas.openxmlformats.org/drawingml/2006/chart" xmlns:r="http://schemas.openxmlformats.org/officeDocument/2006/relationships" r:id="rId3"/>
+                <c:chart xmlns:c="http://schemas.openxmlformats.org/drawingml/2006/chart" xmlns:r="http://schemas.openxmlformats.org/officeDocument/2006/relationships" r:id="rId4"/>
               </a:graphicData>
             </a:graphic>
           </p:graphicFrame>
@@ -9310,8 +9344,8 @@
         </p:nvSpPr>
         <p:spPr>
           <a:xfrm>
-            <a:off x="16024803" y="38662680"/>
-            <a:ext cx="13764993" cy="2784993"/>
+            <a:off x="15945343" y="38759915"/>
+            <a:ext cx="13764993" cy="2612638"/>
           </a:xfrm>
           <a:prstGeom prst="rect">
             <a:avLst/>
@@ -9332,40 +9366,32 @@
               <a:buAutoNum type="arabicPeriod"/>
             </a:pPr>
             <a:r>
-              <a:rPr lang="en-IN" sz="3200" dirty="0" err="1">
-                <a:latin typeface="CMR10"/>
+              <a:rPr lang="en-IN" sz="2900" dirty="0" err="1">
+                <a:latin typeface="Arial" panose="020B0604020202020204" pitchFamily="34" charset="0"/>
+                <a:cs typeface="Arial" panose="020B0604020202020204" pitchFamily="34" charset="0"/>
               </a:rPr>
               <a:t>Yichao</a:t>
             </a:r>
             <a:r>
-              <a:rPr lang="en-IN" sz="3200" dirty="0">
-                <a:latin typeface="CMR10"/>
+              <a:rPr lang="en-IN" sz="2900" dirty="0">
+                <a:latin typeface="Arial" panose="020B0604020202020204" pitchFamily="34" charset="0"/>
+                <a:cs typeface="Arial" panose="020B0604020202020204" pitchFamily="34" charset="0"/>
               </a:rPr>
               <a:t> Zhou and </a:t>
             </a:r>
             <a:r>
-              <a:rPr lang="en-IN" sz="3200" dirty="0" err="1">
-                <a:latin typeface="CMR10"/>
+              <a:rPr lang="en-IN" sz="2900" dirty="0" err="1">
+                <a:latin typeface="Arial" panose="020B0604020202020204" pitchFamily="34" charset="0"/>
+                <a:cs typeface="Arial" panose="020B0604020202020204" pitchFamily="34" charset="0"/>
               </a:rPr>
               <a:t>Jianyang</a:t>
             </a:r>
             <a:r>
-              <a:rPr lang="en-IN" sz="3200" dirty="0">
-                <a:latin typeface="CMR10"/>
+              <a:rPr lang="en-IN" sz="2900" dirty="0">
+                <a:latin typeface="Arial" panose="020B0604020202020204" pitchFamily="34" charset="0"/>
+                <a:cs typeface="Arial" panose="020B0604020202020204" pitchFamily="34" charset="0"/>
               </a:rPr>
-              <a:t> Zeng. “Massively Parallel A* Search on GPU”. In: </a:t>
-            </a:r>
-            <a:r>
-              <a:rPr lang="en-IN" sz="3200" dirty="0">
-                <a:latin typeface="CMTI10"/>
-              </a:rPr>
-              <a:t>Twenty-Ninth AAAI Conference on Artificial Intelligence </a:t>
-            </a:r>
-            <a:r>
-              <a:rPr lang="en-IN" sz="3200" dirty="0">
-                <a:latin typeface="CMR10"/>
-              </a:rPr>
-              <a:t>(2015).</a:t>
+              <a:t> Zeng. “Massively Parallel A* Search on GPU”. In: Twenty-Ninth AAAI Conference on Artificial Intelligence (2015).</a:t>
             </a:r>
           </a:p>
           <a:p>
@@ -9377,75 +9403,63 @@
               <a:buAutoNum type="arabicPeriod"/>
             </a:pPr>
             <a:r>
-              <a:rPr lang="en-IN" sz="3200" dirty="0">
+              <a:rPr lang="en-IN" sz="2900" dirty="0">
                 <a:solidFill>
                   <a:srgbClr val="000000"/>
                 </a:solidFill>
-                <a:latin typeface="CMR10"/>
+                <a:latin typeface="Arial" panose="020B0604020202020204" pitchFamily="34" charset="0"/>
+                <a:cs typeface="Arial" panose="020B0604020202020204" pitchFamily="34" charset="0"/>
               </a:rPr>
               <a:t>Jure </a:t>
             </a:r>
             <a:r>
-              <a:rPr lang="en-IN" sz="3200" dirty="0" err="1">
+              <a:rPr lang="en-IN" sz="2900" dirty="0" err="1">
                 <a:solidFill>
                   <a:srgbClr val="000000"/>
                 </a:solidFill>
-                <a:latin typeface="CMR10"/>
+                <a:latin typeface="Arial" panose="020B0604020202020204" pitchFamily="34" charset="0"/>
+                <a:cs typeface="Arial" panose="020B0604020202020204" pitchFamily="34" charset="0"/>
               </a:rPr>
               <a:t>Leskovec</a:t>
             </a:r>
             <a:r>
-              <a:rPr lang="en-IN" sz="3200" dirty="0">
+              <a:rPr lang="en-IN" sz="2900" dirty="0">
                 <a:solidFill>
                   <a:srgbClr val="000000"/>
                 </a:solidFill>
-                <a:latin typeface="CMR10"/>
+                <a:latin typeface="Arial" panose="020B0604020202020204" pitchFamily="34" charset="0"/>
+                <a:cs typeface="Arial" panose="020B0604020202020204" pitchFamily="34" charset="0"/>
               </a:rPr>
               <a:t> and Andrej </a:t>
             </a:r>
             <a:r>
-              <a:rPr lang="en-IN" sz="3200" dirty="0" err="1">
+              <a:rPr lang="en-IN" sz="2900" dirty="0" err="1">
                 <a:solidFill>
                   <a:srgbClr val="000000"/>
                 </a:solidFill>
-                <a:latin typeface="CMR10"/>
+                <a:latin typeface="Arial" panose="020B0604020202020204" pitchFamily="34" charset="0"/>
+                <a:cs typeface="Arial" panose="020B0604020202020204" pitchFamily="34" charset="0"/>
               </a:rPr>
               <a:t>Krevl</a:t>
             </a:r>
             <a:r>
-              <a:rPr lang="en-IN" sz="3200" dirty="0">
+              <a:rPr lang="en-IN" sz="2900" dirty="0">
                 <a:solidFill>
                   <a:srgbClr val="000000"/>
                 </a:solidFill>
-                <a:latin typeface="CMR10"/>
+                <a:latin typeface="Arial" panose="020B0604020202020204" pitchFamily="34" charset="0"/>
+                <a:cs typeface="Arial" panose="020B0604020202020204" pitchFamily="34" charset="0"/>
               </a:rPr>
-              <a:t>. </a:t>
-            </a:r>
-            <a:r>
-              <a:rPr lang="en-IN" sz="3200" dirty="0">
-                <a:solidFill>
-                  <a:srgbClr val="000000"/>
-                </a:solidFill>
-                <a:latin typeface="CMTI10"/>
-              </a:rPr>
-              <a:t>SNAP Datasets: Stanford Large Network Dataset Collection</a:t>
-            </a:r>
-            <a:r>
-              <a:rPr lang="en-IN" sz="3200" dirty="0">
-                <a:solidFill>
-                  <a:srgbClr val="000000"/>
-                </a:solidFill>
-                <a:latin typeface="CMR10"/>
-              </a:rPr>
-              <a:t>. </a:t>
-            </a:r>
-            <a:r>
-              <a:rPr lang="en-IN" sz="3200" dirty="0">
+              <a:t>. SNAP Datasets: Stanford Large Network Dataset Collection. </a:t>
+            </a:r>
+            <a:r>
+              <a:rPr lang="en-IN" sz="2900" dirty="0">
                 <a:solidFill>
                   <a:srgbClr val="820C00"/>
                 </a:solidFill>
-                <a:latin typeface="CMTT10"/>
-                <a:hlinkClick r:id="rId4">
+                <a:latin typeface="Arial" panose="020B0604020202020204" pitchFamily="34" charset="0"/>
+                <a:cs typeface="Arial" panose="020B0604020202020204" pitchFamily="34" charset="0"/>
+                <a:hlinkClick r:id="rId5">
                   <a:extLst>
                     <a:ext uri="{A12FA001-AC4F-418D-AE19-62706E023703}">
                       <ahyp:hlinkClr xmlns:ahyp="http://schemas.microsoft.com/office/drawing/2018/hyperlinkcolor" val="tx"/>
@@ -9456,16 +9470,18 @@
               <a:t>http://snap.stanford.edu/data</a:t>
             </a:r>
             <a:r>
-              <a:rPr lang="en-IN" sz="3200" dirty="0">
+              <a:rPr lang="en-IN" sz="2900" dirty="0">
                 <a:solidFill>
                   <a:srgbClr val="000000"/>
                 </a:solidFill>
-                <a:latin typeface="CMR10"/>
+                <a:latin typeface="Arial" panose="020B0604020202020204" pitchFamily="34" charset="0"/>
+                <a:cs typeface="Arial" panose="020B0604020202020204" pitchFamily="34" charset="0"/>
               </a:rPr>
               <a:t>. June 2014.</a:t>
             </a:r>
-            <a:endParaRPr lang="en-IN" sz="3200" dirty="0">
-              <a:latin typeface="Domine" panose="02040503040403060204" pitchFamily="18" charset="0"/>
+            <a:endParaRPr lang="en-IN" sz="2900" dirty="0">
+              <a:latin typeface="Arial" panose="020B0604020202020204" pitchFamily="34" charset="0"/>
+              <a:cs typeface="Arial" panose="020B0604020202020204" pitchFamily="34" charset="0"/>
             </a:endParaRPr>
           </a:p>
         </p:txBody>
@@ -10836,13 +10852,13 @@
             <p:nvPr/>
           </p:nvPicPr>
           <p:blipFill>
-            <a:blip r:embed="rId5">
+            <a:blip r:embed="rId6">
               <a:extLst>
                 <a:ext uri="{28A0092B-C50C-407E-A947-70E740481C1C}">
                   <a14:useLocalDpi xmlns:a14="http://schemas.microsoft.com/office/drawing/2010/main" val="0"/>
                 </a:ext>
                 <a:ext uri="{96DAC541-7B7A-43D3-8B79-37D633B846F1}">
-                  <asvg:svgBlip xmlns:asvg="http://schemas.microsoft.com/office/drawing/2016/SVG/main" r:embed="rId6"/>
+                  <asvg:svgBlip xmlns:asvg="http://schemas.microsoft.com/office/drawing/2016/SVG/main" r:embed="rId7"/>
                 </a:ext>
               </a:extLst>
             </a:blip>
@@ -10875,13 +10891,13 @@
             <p:nvPr/>
           </p:nvPicPr>
           <p:blipFill>
-            <a:blip r:embed="rId5">
+            <a:blip r:embed="rId6">
               <a:extLst>
                 <a:ext uri="{28A0092B-C50C-407E-A947-70E740481C1C}">
                   <a14:useLocalDpi xmlns:a14="http://schemas.microsoft.com/office/drawing/2010/main" val="0"/>
                 </a:ext>
                 <a:ext uri="{96DAC541-7B7A-43D3-8B79-37D633B846F1}">
-                  <asvg:svgBlip xmlns:asvg="http://schemas.microsoft.com/office/drawing/2016/SVG/main" r:embed="rId6"/>
+                  <asvg:svgBlip xmlns:asvg="http://schemas.microsoft.com/office/drawing/2016/SVG/main" r:embed="rId7"/>
                 </a:ext>
               </a:extLst>
             </a:blip>
@@ -10914,13 +10930,13 @@
             <p:nvPr/>
           </p:nvPicPr>
           <p:blipFill>
-            <a:blip r:embed="rId7">
+            <a:blip r:embed="rId8">
               <a:extLst>
                 <a:ext uri="{28A0092B-C50C-407E-A947-70E740481C1C}">
                   <a14:useLocalDpi xmlns:a14="http://schemas.microsoft.com/office/drawing/2010/main" val="0"/>
                 </a:ext>
                 <a:ext uri="{96DAC541-7B7A-43D3-8B79-37D633B846F1}">
-                  <asvg:svgBlip xmlns:asvg="http://schemas.microsoft.com/office/drawing/2016/SVG/main" r:embed="rId8"/>
+                  <asvg:svgBlip xmlns:asvg="http://schemas.microsoft.com/office/drawing/2016/SVG/main" r:embed="rId9"/>
                 </a:ext>
               </a:extLst>
             </a:blip>
@@ -10953,13 +10969,13 @@
             <p:nvPr/>
           </p:nvPicPr>
           <p:blipFill>
-            <a:blip r:embed="rId7">
+            <a:blip r:embed="rId8">
               <a:extLst>
                 <a:ext uri="{28A0092B-C50C-407E-A947-70E740481C1C}">
                   <a14:useLocalDpi xmlns:a14="http://schemas.microsoft.com/office/drawing/2010/main" val="0"/>
                 </a:ext>
                 <a:ext uri="{96DAC541-7B7A-43D3-8B79-37D633B846F1}">
-                  <asvg:svgBlip xmlns:asvg="http://schemas.microsoft.com/office/drawing/2016/SVG/main" r:embed="rId8"/>
+                  <asvg:svgBlip xmlns:asvg="http://schemas.microsoft.com/office/drawing/2016/SVG/main" r:embed="rId9"/>
                 </a:ext>
               </a:extLst>
             </a:blip>
@@ -10992,13 +11008,13 @@
             <p:nvPr/>
           </p:nvPicPr>
           <p:blipFill>
-            <a:blip r:embed="rId7">
+            <a:blip r:embed="rId8">
               <a:extLst>
                 <a:ext uri="{28A0092B-C50C-407E-A947-70E740481C1C}">
                   <a14:useLocalDpi xmlns:a14="http://schemas.microsoft.com/office/drawing/2010/main" val="0"/>
                 </a:ext>
                 <a:ext uri="{96DAC541-7B7A-43D3-8B79-37D633B846F1}">
-                  <asvg:svgBlip xmlns:asvg="http://schemas.microsoft.com/office/drawing/2016/SVG/main" r:embed="rId8"/>
+                  <asvg:svgBlip xmlns:asvg="http://schemas.microsoft.com/office/drawing/2016/SVG/main" r:embed="rId9"/>
                 </a:ext>
               </a:extLst>
             </a:blip>
@@ -11031,13 +11047,13 @@
             <p:nvPr/>
           </p:nvPicPr>
           <p:blipFill>
-            <a:blip r:embed="rId7">
+            <a:blip r:embed="rId8">
               <a:extLst>
                 <a:ext uri="{28A0092B-C50C-407E-A947-70E740481C1C}">
                   <a14:useLocalDpi xmlns:a14="http://schemas.microsoft.com/office/drawing/2010/main" val="0"/>
                 </a:ext>
                 <a:ext uri="{96DAC541-7B7A-43D3-8B79-37D633B846F1}">
-                  <asvg:svgBlip xmlns:asvg="http://schemas.microsoft.com/office/drawing/2016/SVG/main" r:embed="rId8"/>
+                  <asvg:svgBlip xmlns:asvg="http://schemas.microsoft.com/office/drawing/2016/SVG/main" r:embed="rId9"/>
                 </a:ext>
               </a:extLst>
             </a:blip>
@@ -11070,13 +11086,13 @@
             <p:nvPr/>
           </p:nvPicPr>
           <p:blipFill>
-            <a:blip r:embed="rId7">
+            <a:blip r:embed="rId8">
               <a:extLst>
                 <a:ext uri="{28A0092B-C50C-407E-A947-70E740481C1C}">
                   <a14:useLocalDpi xmlns:a14="http://schemas.microsoft.com/office/drawing/2010/main" val="0"/>
                 </a:ext>
                 <a:ext uri="{96DAC541-7B7A-43D3-8B79-37D633B846F1}">
-                  <asvg:svgBlip xmlns:asvg="http://schemas.microsoft.com/office/drawing/2016/SVG/main" r:embed="rId8"/>
+                  <asvg:svgBlip xmlns:asvg="http://schemas.microsoft.com/office/drawing/2016/SVG/main" r:embed="rId9"/>
                 </a:ext>
               </a:extLst>
             </a:blip>
@@ -11109,13 +11125,13 @@
             <p:nvPr/>
           </p:nvPicPr>
           <p:blipFill>
-            <a:blip r:embed="rId7">
+            <a:blip r:embed="rId8">
               <a:extLst>
                 <a:ext uri="{28A0092B-C50C-407E-A947-70E740481C1C}">
                   <a14:useLocalDpi xmlns:a14="http://schemas.microsoft.com/office/drawing/2010/main" val="0"/>
                 </a:ext>
                 <a:ext uri="{96DAC541-7B7A-43D3-8B79-37D633B846F1}">
-                  <asvg:svgBlip xmlns:asvg="http://schemas.microsoft.com/office/drawing/2016/SVG/main" r:embed="rId8"/>
+                  <asvg:svgBlip xmlns:asvg="http://schemas.microsoft.com/office/drawing/2016/SVG/main" r:embed="rId9"/>
                 </a:ext>
               </a:extLst>
             </a:blip>
@@ -11682,7 +11698,7 @@
           <p:nvPr/>
         </p:nvPicPr>
         <p:blipFill rotWithShape="1">
-          <a:blip r:embed="rId9">
+          <a:blip r:embed="rId10">
             <a:extLst>
               <a:ext uri="{28A0092B-C50C-407E-A947-70E740481C1C}">
                 <a14:useLocalDpi xmlns:a14="http://schemas.microsoft.com/office/drawing/2010/main" val="0"/>
@@ -11746,7 +11762,7 @@
           </p:xfrm>
           <a:graphic>
             <a:graphicData uri="http://schemas.openxmlformats.org/drawingml/2006/chart">
-              <c:chart xmlns:c="http://schemas.openxmlformats.org/drawingml/2006/chart" xmlns:r="http://schemas.openxmlformats.org/officeDocument/2006/relationships" r:id="rId10"/>
+              <c:chart xmlns:c="http://schemas.openxmlformats.org/drawingml/2006/chart" xmlns:r="http://schemas.openxmlformats.org/officeDocument/2006/relationships" r:id="rId11"/>
             </a:graphicData>
           </a:graphic>
         </p:graphicFrame>
@@ -11841,7 +11857,7 @@
           <a:p>
             <a:r>
               <a:rPr lang="en-IN" sz="2200" dirty="0"/>
-              <a:t>Fig 2: Execution time of static A* and dynamic A*(only insertions) on graph Wiki-Talk</a:t>
+              <a:t>Fig 2: Execution time of static A* and dynamic A* (for only insertions) on graph Wiki-Talk</a:t>
             </a:r>
           </a:p>
         </p:txBody>
@@ -11861,9 +11877,9 @@
         <p:grpSpPr>
           <a:xfrm>
             <a:off x="269055" y="22918420"/>
-            <a:ext cx="12725041" cy="3821947"/>
+            <a:ext cx="13570225" cy="3821947"/>
             <a:chOff x="269055" y="22918420"/>
-            <a:chExt cx="12725041" cy="3821947"/>
+            <a:chExt cx="13570225" cy="3821947"/>
           </a:xfrm>
         </p:grpSpPr>
         <p:sp>
@@ -11880,8 +11896,8 @@
           </p:nvSpPr>
           <p:spPr>
             <a:xfrm>
-              <a:off x="10233217" y="25098015"/>
-              <a:ext cx="2760879" cy="553998"/>
+              <a:off x="10381352" y="24955774"/>
+              <a:ext cx="3457928" cy="1015663"/>
             </a:xfrm>
             <a:prstGeom prst="rect">
               <a:avLst/>
@@ -11905,6 +11921,18 @@
                 <a:t>Dynamic A*</a:t>
               </a:r>
             </a:p>
+            <a:p>
+              <a:r>
+                <a:rPr lang="en-IN" sz="3000" dirty="0">
+                  <a:solidFill>
+                    <a:srgbClr val="000760"/>
+                  </a:solidFill>
+                  <a:latin typeface="Roboto" panose="02000000000000000000" pitchFamily="2" charset="0"/>
+                  <a:ea typeface="Roboto" panose="02000000000000000000" pitchFamily="2" charset="0"/>
+                </a:rPr>
+                <a:t>( Insertions )</a:t>
+              </a:r>
+            </a:p>
           </p:txBody>
         </p:sp>
         <p:grpSp>
@@ -11922,9 +11950,9 @@
           <p:grpSpPr>
             <a:xfrm>
               <a:off x="269055" y="22918420"/>
-              <a:ext cx="12245709" cy="3821947"/>
+              <a:ext cx="12440313" cy="3821947"/>
               <a:chOff x="481900" y="22820160"/>
-              <a:chExt cx="12245709" cy="3821947"/>
+              <a:chExt cx="12440313" cy="3821947"/>
             </a:xfrm>
           </p:grpSpPr>
           <p:sp>
@@ -12478,13 +12506,13 @@
               <p:nvPr/>
             </p:nvPicPr>
             <p:blipFill>
-              <a:blip r:embed="rId11">
+              <a:blip r:embed="rId12">
                 <a:extLst>
                   <a:ext uri="{28A0092B-C50C-407E-A947-70E740481C1C}">
                     <a14:useLocalDpi xmlns:a14="http://schemas.microsoft.com/office/drawing/2010/main" val="0"/>
                   </a:ext>
                   <a:ext uri="{96DAC541-7B7A-43D3-8B79-37D633B846F1}">
-                    <asvg:svgBlip xmlns:asvg="http://schemas.microsoft.com/office/drawing/2016/SVG/main" r:embed="rId12"/>
+                    <asvg:svgBlip xmlns:asvg="http://schemas.microsoft.com/office/drawing/2016/SVG/main" r:embed="rId13"/>
                   </a:ext>
                 </a:extLst>
               </a:blip>
@@ -12494,7 +12522,7 @@
             </p:blipFill>
             <p:spPr>
               <a:xfrm flipH="1">
-                <a:off x="8951630" y="23080891"/>
+                <a:off x="8975826" y="23248751"/>
                 <a:ext cx="1328799" cy="1328799"/>
               </a:xfrm>
               <a:prstGeom prst="rect">
@@ -12517,13 +12545,13 @@
               <p:nvPr/>
             </p:nvPicPr>
             <p:blipFill>
-              <a:blip r:embed="rId13">
+              <a:blip r:embed="rId14">
                 <a:extLst>
                   <a:ext uri="{28A0092B-C50C-407E-A947-70E740481C1C}">
                     <a14:useLocalDpi xmlns:a14="http://schemas.microsoft.com/office/drawing/2010/main" val="0"/>
                   </a:ext>
                   <a:ext uri="{96DAC541-7B7A-43D3-8B79-37D633B846F1}">
-                    <asvg:svgBlip xmlns:asvg="http://schemas.microsoft.com/office/drawing/2016/SVG/main" r:embed="rId14"/>
+                    <asvg:svgBlip xmlns:asvg="http://schemas.microsoft.com/office/drawing/2016/SVG/main" r:embed="rId15"/>
                   </a:ext>
                 </a:extLst>
               </a:blip>
@@ -12555,7 +12583,7 @@
             </p:nvSpPr>
             <p:spPr>
               <a:xfrm>
-                <a:off x="10461152" y="23433002"/>
+                <a:off x="10655756" y="23571241"/>
                 <a:ext cx="2266457" cy="553998"/>
               </a:xfrm>
               <a:prstGeom prst="rect">
@@ -12638,13 +12666,13 @@
               <p:nvPr/>
             </p:nvPicPr>
             <p:blipFill>
-              <a:blip r:embed="rId15">
+              <a:blip r:embed="rId16">
                 <a:extLst>
                   <a:ext uri="{28A0092B-C50C-407E-A947-70E740481C1C}">
                     <a14:useLocalDpi xmlns:a14="http://schemas.microsoft.com/office/drawing/2010/main" val="0"/>
                   </a:ext>
                   <a:ext uri="{96DAC541-7B7A-43D3-8B79-37D633B846F1}">
-                    <asvg:svgBlip xmlns:asvg="http://schemas.microsoft.com/office/drawing/2016/SVG/main" r:embed="rId16"/>
+                    <asvg:svgBlip xmlns:asvg="http://schemas.microsoft.com/office/drawing/2016/SVG/main" r:embed="rId17"/>
                   </a:ext>
                 </a:extLst>
               </a:blip>
@@ -12677,13 +12705,13 @@
               <p:nvPr/>
             </p:nvPicPr>
             <p:blipFill>
-              <a:blip r:embed="rId15">
+              <a:blip r:embed="rId16">
                 <a:extLst>
                   <a:ext uri="{28A0092B-C50C-407E-A947-70E740481C1C}">
                     <a14:useLocalDpi xmlns:a14="http://schemas.microsoft.com/office/drawing/2010/main" val="0"/>
                   </a:ext>
                   <a:ext uri="{96DAC541-7B7A-43D3-8B79-37D633B846F1}">
-                    <asvg:svgBlip xmlns:asvg="http://schemas.microsoft.com/office/drawing/2016/SVG/main" r:embed="rId16"/>
+                    <asvg:svgBlip xmlns:asvg="http://schemas.microsoft.com/office/drawing/2016/SVG/main" r:embed="rId17"/>
                   </a:ext>
                 </a:extLst>
               </a:blip>
@@ -12716,13 +12744,13 @@
               <p:nvPr/>
             </p:nvPicPr>
             <p:blipFill>
-              <a:blip r:embed="rId15">
+              <a:blip r:embed="rId16">
                 <a:extLst>
                   <a:ext uri="{28A0092B-C50C-407E-A947-70E740481C1C}">
                     <a14:useLocalDpi xmlns:a14="http://schemas.microsoft.com/office/drawing/2010/main" val="0"/>
                   </a:ext>
                   <a:ext uri="{96DAC541-7B7A-43D3-8B79-37D633B846F1}">
-                    <asvg:svgBlip xmlns:asvg="http://schemas.microsoft.com/office/drawing/2016/SVG/main" r:embed="rId16"/>
+                    <asvg:svgBlip xmlns:asvg="http://schemas.microsoft.com/office/drawing/2016/SVG/main" r:embed="rId17"/>
                   </a:ext>
                 </a:extLst>
               </a:blip>
@@ -12755,13 +12783,13 @@
               <p:nvPr/>
             </p:nvPicPr>
             <p:blipFill>
-              <a:blip r:embed="rId15">
+              <a:blip r:embed="rId16">
                 <a:extLst>
                   <a:ext uri="{28A0092B-C50C-407E-A947-70E740481C1C}">
                     <a14:useLocalDpi xmlns:a14="http://schemas.microsoft.com/office/drawing/2010/main" val="0"/>
                   </a:ext>
                   <a:ext uri="{96DAC541-7B7A-43D3-8B79-37D633B846F1}">
-                    <asvg:svgBlip xmlns:asvg="http://schemas.microsoft.com/office/drawing/2016/SVG/main" r:embed="rId16"/>
+                    <asvg:svgBlip xmlns:asvg="http://schemas.microsoft.com/office/drawing/2016/SVG/main" r:embed="rId17"/>
                   </a:ext>
                 </a:extLst>
               </a:blip>
@@ -12794,13 +12822,13 @@
               <p:nvPr/>
             </p:nvPicPr>
             <p:blipFill>
-              <a:blip r:embed="rId15">
+              <a:blip r:embed="rId16">
                 <a:extLst>
                   <a:ext uri="{28A0092B-C50C-407E-A947-70E740481C1C}">
                     <a14:useLocalDpi xmlns:a14="http://schemas.microsoft.com/office/drawing/2010/main" val="0"/>
                   </a:ext>
                   <a:ext uri="{96DAC541-7B7A-43D3-8B79-37D633B846F1}">
-                    <asvg:svgBlip xmlns:asvg="http://schemas.microsoft.com/office/drawing/2016/SVG/main" r:embed="rId16"/>
+                    <asvg:svgBlip xmlns:asvg="http://schemas.microsoft.com/office/drawing/2016/SVG/main" r:embed="rId17"/>
                   </a:ext>
                 </a:extLst>
               </a:blip>
@@ -12833,13 +12861,13 @@
               <p:nvPr/>
             </p:nvPicPr>
             <p:blipFill>
-              <a:blip r:embed="rId11">
+              <a:blip r:embed="rId12">
                 <a:extLst>
                   <a:ext uri="{28A0092B-C50C-407E-A947-70E740481C1C}">
                     <a14:useLocalDpi xmlns:a14="http://schemas.microsoft.com/office/drawing/2010/main" val="0"/>
                   </a:ext>
                   <a:ext uri="{96DAC541-7B7A-43D3-8B79-37D633B846F1}">
-                    <asvg:svgBlip xmlns:asvg="http://schemas.microsoft.com/office/drawing/2016/SVG/main" r:embed="rId12"/>
+                    <asvg:svgBlip xmlns:asvg="http://schemas.microsoft.com/office/drawing/2016/SVG/main" r:embed="rId13"/>
                   </a:ext>
                 </a:extLst>
               </a:blip>
@@ -12924,13 +12952,13 @@
               <p:nvPr/>
             </p:nvPicPr>
             <p:blipFill>
-              <a:blip r:embed="rId13">
+              <a:blip r:embed="rId14">
                 <a:extLst>
                   <a:ext uri="{28A0092B-C50C-407E-A947-70E740481C1C}">
                     <a14:useLocalDpi xmlns:a14="http://schemas.microsoft.com/office/drawing/2010/main" val="0"/>
                   </a:ext>
                   <a:ext uri="{96DAC541-7B7A-43D3-8B79-37D633B846F1}">
-                    <asvg:svgBlip xmlns:asvg="http://schemas.microsoft.com/office/drawing/2016/SVG/main" r:embed="rId14"/>
+                    <asvg:svgBlip xmlns:asvg="http://schemas.microsoft.com/office/drawing/2016/SVG/main" r:embed="rId15"/>
                   </a:ext>
                 </a:extLst>
               </a:blip>
@@ -12963,13 +12991,13 @@
               <p:nvPr/>
             </p:nvPicPr>
             <p:blipFill>
-              <a:blip r:embed="rId13">
+              <a:blip r:embed="rId14">
                 <a:extLst>
                   <a:ext uri="{28A0092B-C50C-407E-A947-70E740481C1C}">
                     <a14:useLocalDpi xmlns:a14="http://schemas.microsoft.com/office/drawing/2010/main" val="0"/>
                   </a:ext>
                   <a:ext uri="{96DAC541-7B7A-43D3-8B79-37D633B846F1}">
-                    <asvg:svgBlip xmlns:asvg="http://schemas.microsoft.com/office/drawing/2016/SVG/main" r:embed="rId14"/>
+                    <asvg:svgBlip xmlns:asvg="http://schemas.microsoft.com/office/drawing/2016/SVG/main" r:embed="rId15"/>
                   </a:ext>
                 </a:extLst>
               </a:blip>
@@ -13140,7 +13168,7 @@
           <p:nvPr/>
         </p:nvPicPr>
         <p:blipFill rotWithShape="1">
-          <a:blip r:embed="rId17">
+          <a:blip r:embed="rId18">
             <a:extLst>
               <a:ext uri="{28A0092B-C50C-407E-A947-70E740481C1C}">
                 <a14:useLocalDpi xmlns:a14="http://schemas.microsoft.com/office/drawing/2010/main" val="0"/>
@@ -13160,344 +13188,6 @@
           </a:prstGeom>
         </p:spPr>
       </p:pic>
-      <p:sp>
-        <p:nvSpPr>
-          <p:cNvPr id="2" name="TextBox 1">
-            <a:extLst>
-              <a:ext uri="{FF2B5EF4-FFF2-40B4-BE49-F238E27FC236}">
-                <a16:creationId xmlns:a16="http://schemas.microsoft.com/office/drawing/2014/main" id="{ECB3F1A8-DDAA-4B5E-8D19-E144EE6965DB}"/>
-              </a:ext>
-            </a:extLst>
-          </p:cNvPr>
-          <p:cNvSpPr txBox="1"/>
-          <p:nvPr/>
-        </p:nvSpPr>
-        <p:spPr>
-          <a:xfrm>
-            <a:off x="7373320" y="17885708"/>
-            <a:ext cx="6829147" cy="5213735"/>
-          </a:xfrm>
-          <a:prstGeom prst="rect">
-            <a:avLst/>
-          </a:prstGeom>
-          <a:noFill/>
-        </p:spPr>
-        <p:txBody>
-          <a:bodyPr wrap="square" rtlCol="0">
-            <a:spAutoFit/>
-          </a:bodyPr>
-          <a:lstStyle/>
-          <a:p>
-            <a:pPr>
-              <a:lnSpc>
-                <a:spcPct val="140000"/>
-              </a:lnSpc>
-            </a:pPr>
-            <a:r>
-              <a:rPr lang="en-IN" sz="2600" dirty="0">
-                <a:solidFill>
-                  <a:schemeClr val="accent6">
-                    <a:lumMod val="75000"/>
-                  </a:schemeClr>
-                </a:solidFill>
-                <a:latin typeface="Arial Nova" panose="020B0604020202020204" pitchFamily="34" charset="0"/>
-                <a:cs typeface="Arial" panose="020B0604020202020204" pitchFamily="34" charset="0"/>
-              </a:rPr>
-              <a:t>1. For edges(u, v) inserted, add node v to 	update_list, if f(v)</a:t>
-            </a:r>
-            <a:r>
-              <a:rPr lang="en-IN" sz="2600" baseline="-25000" dirty="0">
-                <a:solidFill>
-                  <a:schemeClr val="accent6">
-                    <a:lumMod val="75000"/>
-                  </a:schemeClr>
-                </a:solidFill>
-                <a:latin typeface="Arial Nova" panose="020B0604020202020204" pitchFamily="34" charset="0"/>
-                <a:cs typeface="Arial" panose="020B0604020202020204" pitchFamily="34" charset="0"/>
-              </a:rPr>
-              <a:t>new</a:t>
-            </a:r>
-            <a:r>
-              <a:rPr lang="en-IN" sz="2600" dirty="0">
-                <a:solidFill>
-                  <a:schemeClr val="accent6">
-                    <a:lumMod val="75000"/>
-                  </a:schemeClr>
-                </a:solidFill>
-                <a:latin typeface="Arial Nova" panose="020B0604020202020204" pitchFamily="34" charset="0"/>
-                <a:cs typeface="Arial" panose="020B0604020202020204" pitchFamily="34" charset="0"/>
-              </a:rPr>
-              <a:t> &lt; f(v)</a:t>
-            </a:r>
-            <a:r>
-              <a:rPr lang="en-IN" sz="2600" baseline="-25000" dirty="0">
-                <a:solidFill>
-                  <a:schemeClr val="accent6">
-                    <a:lumMod val="75000"/>
-                  </a:schemeClr>
-                </a:solidFill>
-                <a:latin typeface="Arial Nova" panose="020B0604020202020204" pitchFamily="34" charset="0"/>
-                <a:cs typeface="Arial" panose="020B0604020202020204" pitchFamily="34" charset="0"/>
-              </a:rPr>
-              <a:t>old</a:t>
-            </a:r>
-            <a:r>
-              <a:rPr lang="en-IN" sz="2600" dirty="0">
-                <a:solidFill>
-                  <a:schemeClr val="accent6">
-                    <a:lumMod val="75000"/>
-                  </a:schemeClr>
-                </a:solidFill>
-                <a:latin typeface="Arial Nova" panose="020B0604020202020204" pitchFamily="34" charset="0"/>
-                <a:cs typeface="Arial" panose="020B0604020202020204" pitchFamily="34" charset="0"/>
-              </a:rPr>
-              <a:t>.</a:t>
-            </a:r>
-          </a:p>
-          <a:p>
-            <a:r>
-              <a:rPr lang="en-IN" sz="2600" dirty="0">
-                <a:solidFill>
-                  <a:schemeClr val="accent6">
-                    <a:lumMod val="75000"/>
-                  </a:schemeClr>
-                </a:solidFill>
-                <a:latin typeface="Arial Nova" panose="020B0604020202020204" pitchFamily="34" charset="0"/>
-                <a:cs typeface="Arial" panose="020B0604020202020204" pitchFamily="34" charset="0"/>
-              </a:rPr>
-              <a:t>2. While update_list not empty:</a:t>
-            </a:r>
-          </a:p>
-          <a:p>
-            <a:r>
-              <a:rPr lang="en-IN" sz="2600" dirty="0">
-                <a:solidFill>
-                  <a:schemeClr val="accent6">
-                    <a:lumMod val="75000"/>
-                  </a:schemeClr>
-                </a:solidFill>
-                <a:latin typeface="Arial Nova" panose="020B0604020202020204" pitchFamily="34" charset="0"/>
-                <a:cs typeface="Arial" panose="020B0604020202020204" pitchFamily="34" charset="0"/>
-              </a:rPr>
-              <a:t>	a. Extract node n from update_list.</a:t>
-            </a:r>
-          </a:p>
-          <a:p>
-            <a:r>
-              <a:rPr lang="en-IN" sz="2600" dirty="0">
-                <a:solidFill>
-                  <a:schemeClr val="accent6">
-                    <a:lumMod val="75000"/>
-                  </a:schemeClr>
-                </a:solidFill>
-                <a:latin typeface="Arial Nova" panose="020B0604020202020204" pitchFamily="34" charset="0"/>
-                <a:cs typeface="Arial" panose="020B0604020202020204" pitchFamily="34" charset="0"/>
-              </a:rPr>
-              <a:t>	b. For each child of n:</a:t>
-            </a:r>
-          </a:p>
-          <a:p>
-            <a:r>
-              <a:rPr lang="en-IN" sz="2600" dirty="0">
-                <a:solidFill>
-                  <a:schemeClr val="accent6">
-                    <a:lumMod val="75000"/>
-                  </a:schemeClr>
-                </a:solidFill>
-                <a:latin typeface="Arial Nova" panose="020B0604020202020204" pitchFamily="34" charset="0"/>
-                <a:cs typeface="Arial" panose="020B0604020202020204" pitchFamily="34" charset="0"/>
-              </a:rPr>
-              <a:t>		</a:t>
-            </a:r>
-            <a:r>
-              <a:rPr lang="en-IN" sz="2600" dirty="0" err="1">
-                <a:solidFill>
-                  <a:schemeClr val="accent6">
-                    <a:lumMod val="75000"/>
-                  </a:schemeClr>
-                </a:solidFill>
-                <a:latin typeface="Arial Nova" panose="020B0604020202020204" pitchFamily="34" charset="0"/>
-                <a:cs typeface="Arial" panose="020B0604020202020204" pitchFamily="34" charset="0"/>
-              </a:rPr>
-              <a:t>i</a:t>
-            </a:r>
-            <a:r>
-              <a:rPr lang="en-IN" sz="2600" dirty="0">
-                <a:solidFill>
-                  <a:schemeClr val="accent6">
-                    <a:lumMod val="75000"/>
-                  </a:schemeClr>
-                </a:solidFill>
-                <a:latin typeface="Arial Nova" panose="020B0604020202020204" pitchFamily="34" charset="0"/>
-                <a:cs typeface="Arial" panose="020B0604020202020204" pitchFamily="34" charset="0"/>
-              </a:rPr>
-              <a:t>. </a:t>
-            </a:r>
-            <a:r>
-              <a:rPr lang="en-IN" sz="2600" b="1" dirty="0">
-                <a:solidFill>
-                  <a:schemeClr val="accent6">
-                    <a:lumMod val="75000"/>
-                  </a:schemeClr>
-                </a:solidFill>
-                <a:latin typeface="Arial Nova" panose="020B0604020202020204" pitchFamily="34" charset="0"/>
-                <a:cs typeface="Arial" panose="020B0604020202020204" pitchFamily="34" charset="0"/>
-              </a:rPr>
-              <a:t>lock(child)</a:t>
-            </a:r>
-          </a:p>
-          <a:p>
-            <a:r>
-              <a:rPr lang="en-IN" sz="2600" dirty="0">
-                <a:solidFill>
-                  <a:schemeClr val="accent6">
-                    <a:lumMod val="75000"/>
-                  </a:schemeClr>
-                </a:solidFill>
-                <a:latin typeface="Arial Nova" panose="020B0604020202020204" pitchFamily="34" charset="0"/>
-                <a:cs typeface="Arial" panose="020B0604020202020204" pitchFamily="34" charset="0"/>
-              </a:rPr>
-              <a:t>		ii. if f(child)</a:t>
-            </a:r>
-            <a:r>
-              <a:rPr lang="en-IN" sz="2600" baseline="-25000" dirty="0">
-                <a:solidFill>
-                  <a:schemeClr val="accent6">
-                    <a:lumMod val="75000"/>
-                  </a:schemeClr>
-                </a:solidFill>
-                <a:latin typeface="Arial Nova" panose="020B0604020202020204" pitchFamily="34" charset="0"/>
-                <a:cs typeface="Arial" panose="020B0604020202020204" pitchFamily="34" charset="0"/>
-              </a:rPr>
-              <a:t>new</a:t>
-            </a:r>
-            <a:r>
-              <a:rPr lang="en-IN" sz="2600" dirty="0">
-                <a:solidFill>
-                  <a:schemeClr val="accent6">
-                    <a:lumMod val="75000"/>
-                  </a:schemeClr>
-                </a:solidFill>
-                <a:latin typeface="Arial Nova" panose="020B0604020202020204" pitchFamily="34" charset="0"/>
-                <a:cs typeface="Arial" panose="020B0604020202020204" pitchFamily="34" charset="0"/>
-              </a:rPr>
-              <a:t>&lt; f(child)</a:t>
-            </a:r>
-            <a:r>
-              <a:rPr lang="en-IN" sz="2600" baseline="-25000" dirty="0">
-                <a:solidFill>
-                  <a:schemeClr val="accent6">
-                    <a:lumMod val="75000"/>
-                  </a:schemeClr>
-                </a:solidFill>
-                <a:latin typeface="Arial Nova" panose="020B0604020202020204" pitchFamily="34" charset="0"/>
-                <a:cs typeface="Arial" panose="020B0604020202020204" pitchFamily="34" charset="0"/>
-              </a:rPr>
-              <a:t>old</a:t>
-            </a:r>
-            <a:r>
-              <a:rPr lang="en-IN" sz="2600" dirty="0">
-                <a:solidFill>
-                  <a:schemeClr val="accent6">
-                    <a:lumMod val="75000"/>
-                  </a:schemeClr>
-                </a:solidFill>
-                <a:latin typeface="Arial Nova" panose="020B0604020202020204" pitchFamily="34" charset="0"/>
-                <a:cs typeface="Arial" panose="020B0604020202020204" pitchFamily="34" charset="0"/>
-              </a:rPr>
-              <a:t>, add child</a:t>
-            </a:r>
-          </a:p>
-          <a:p>
-            <a:r>
-              <a:rPr lang="en-IN" sz="2600" dirty="0">
-                <a:solidFill>
-                  <a:schemeClr val="accent6">
-                    <a:lumMod val="75000"/>
-                  </a:schemeClr>
-                </a:solidFill>
-                <a:latin typeface="Arial Nova" panose="020B0604020202020204" pitchFamily="34" charset="0"/>
-                <a:cs typeface="Arial" panose="020B0604020202020204" pitchFamily="34" charset="0"/>
-              </a:rPr>
-              <a:t>			to update_list.</a:t>
-            </a:r>
-          </a:p>
-          <a:p>
-            <a:r>
-              <a:rPr lang="en-IN" sz="2600" dirty="0">
-                <a:solidFill>
-                  <a:schemeClr val="accent6">
-                    <a:lumMod val="75000"/>
-                  </a:schemeClr>
-                </a:solidFill>
-                <a:latin typeface="Arial Nova" panose="020B0604020202020204" pitchFamily="34" charset="0"/>
-                <a:cs typeface="Arial" panose="020B0604020202020204" pitchFamily="34" charset="0"/>
-              </a:rPr>
-              <a:t>		iii. </a:t>
-            </a:r>
-            <a:r>
-              <a:rPr lang="en-IN" sz="2600" b="1" dirty="0">
-                <a:solidFill>
-                  <a:schemeClr val="accent6">
-                    <a:lumMod val="75000"/>
-                  </a:schemeClr>
-                </a:solidFill>
-                <a:latin typeface="Arial Nova" panose="020B0604020202020204" pitchFamily="34" charset="0"/>
-                <a:cs typeface="Arial" panose="020B0604020202020204" pitchFamily="34" charset="0"/>
-              </a:rPr>
-              <a:t>unlock(child)</a:t>
-            </a:r>
-          </a:p>
-          <a:p>
-            <a:endParaRPr lang="en-IN" sz="2600" b="1" dirty="0">
-              <a:solidFill>
-                <a:schemeClr val="accent6">
-                  <a:lumMod val="75000"/>
-                </a:schemeClr>
-              </a:solidFill>
-              <a:latin typeface="Arial Nova" panose="020B0604020202020204" pitchFamily="34" charset="0"/>
-              <a:cs typeface="Arial" panose="020B0604020202020204" pitchFamily="34" charset="0"/>
-            </a:endParaRPr>
-          </a:p>
-          <a:p>
-            <a:r>
-              <a:rPr lang="en-IN" sz="2600" dirty="0">
-                <a:solidFill>
-                  <a:schemeClr val="accent6">
-                    <a:lumMod val="75000"/>
-                  </a:schemeClr>
-                </a:solidFill>
-                <a:latin typeface="Arial Nova" panose="020B0604020202020204" pitchFamily="34" charset="0"/>
-                <a:cs typeface="Arial" panose="020B0604020202020204" pitchFamily="34" charset="0"/>
-              </a:rPr>
-              <a:t> </a:t>
-            </a:r>
-            <a:r>
-              <a:rPr lang="en-IN" sz="2400" dirty="0">
-                <a:solidFill>
-                  <a:schemeClr val="accent6">
-                    <a:lumMod val="75000"/>
-                  </a:schemeClr>
-                </a:solidFill>
-                <a:latin typeface="Arial Nova" panose="020B0604020202020204" pitchFamily="34" charset="0"/>
-                <a:cs typeface="Arial" panose="020B0604020202020204" pitchFamily="34" charset="0"/>
-              </a:rPr>
-              <a:t>f(v) : cost of node v = g(v) + h(v)</a:t>
-            </a:r>
-          </a:p>
-          <a:p>
-            <a:endParaRPr lang="en-IN" sz="2600" dirty="0">
-              <a:solidFill>
-                <a:schemeClr val="accent6">
-                  <a:lumMod val="75000"/>
-                </a:schemeClr>
-              </a:solidFill>
-              <a:latin typeface="Arial" panose="020B0604020202020204" pitchFamily="34" charset="0"/>
-              <a:cs typeface="Arial" panose="020B0604020202020204" pitchFamily="34" charset="0"/>
-            </a:endParaRPr>
-          </a:p>
-        </p:txBody>
-      </p:sp>
       <p:sp>
         <p:nvSpPr>
           <p:cNvPr id="133" name="TextBox 132">
@@ -13572,11 +13262,11 @@
           <p:nvPr/>
         </p:nvPicPr>
         <p:blipFill>
-          <a:blip r:embed="rId18">
+          <a:blip r:embed="rId19">
             <a:extLst>
               <a:ext uri="{BEBA8EAE-BF5A-486C-A8C5-ECC9F3942E4B}">
                 <a14:imgProps xmlns:a14="http://schemas.microsoft.com/office/drawing/2010/main">
-                  <a14:imgLayer r:embed="rId19">
+                  <a14:imgLayer r:embed="rId20">
                     <a14:imgEffect>
                       <a14:backgroundRemoval t="9778" b="91111" l="9821" r="89732">
                         <a14:foregroundMark x1="55804" y1="47111" x2="55357" y2="24889"/>
@@ -13604,7 +13294,7 @@
         </p:blipFill>
         <p:spPr>
           <a:xfrm rot="10800000">
-            <a:off x="4363075" y="18673269"/>
+            <a:off x="4329842" y="18685371"/>
             <a:ext cx="692018" cy="739469"/>
           </a:xfrm>
           <a:prstGeom prst="rect">
@@ -13627,11 +13317,11 @@
           <p:nvPr/>
         </p:nvPicPr>
         <p:blipFill>
-          <a:blip r:embed="rId18">
+          <a:blip r:embed="rId19">
             <a:extLst>
               <a:ext uri="{BEBA8EAE-BF5A-486C-A8C5-ECC9F3942E4B}">
                 <a14:imgProps xmlns:a14="http://schemas.microsoft.com/office/drawing/2010/main">
-                  <a14:imgLayer r:embed="rId19">
+                  <a14:imgLayer r:embed="rId20">
                     <a14:imgEffect>
                       <a14:backgroundRemoval t="9778" b="91111" l="9821" r="89732">
                         <a14:foregroundMark x1="55804" y1="47111" x2="55357" y2="24889"/>
@@ -13659,7 +13349,7 @@
         </p:blipFill>
         <p:spPr>
           <a:xfrm rot="10800000">
-            <a:off x="3493645" y="18728564"/>
+            <a:off x="3522704" y="18693883"/>
             <a:ext cx="692018" cy="739469"/>
           </a:xfrm>
           <a:prstGeom prst="rect">
@@ -14285,7 +13975,7 @@
             <p:nvPr/>
           </p:nvPicPr>
           <p:blipFill rotWithShape="1">
-            <a:blip r:embed="rId20">
+            <a:blip r:embed="rId21">
               <a:extLst>
                 <a:ext uri="{28A0092B-C50C-407E-A947-70E740481C1C}">
                   <a14:useLocalDpi xmlns:a14="http://schemas.microsoft.com/office/drawing/2010/main" val="0"/>
@@ -14505,7 +14195,7 @@
             <p:nvPr/>
           </p:nvPicPr>
           <p:blipFill>
-            <a:blip r:embed="rId21">
+            <a:blip r:embed="rId22">
               <a:extLst>
                 <a:ext uri="{28A0092B-C50C-407E-A947-70E740481C1C}">
                   <a14:useLocalDpi xmlns:a14="http://schemas.microsoft.com/office/drawing/2010/main" val="0"/>
@@ -14597,7 +14287,7 @@
             <p:nvPr/>
           </p:nvPicPr>
           <p:blipFill rotWithShape="1">
-            <a:blip r:embed="rId22">
+            <a:blip r:embed="rId23">
               <a:extLst>
                 <a:ext uri="{28A0092B-C50C-407E-A947-70E740481C1C}">
                   <a14:useLocalDpi xmlns:a14="http://schemas.microsoft.com/office/drawing/2010/main" val="0"/>
@@ -14688,86 +14378,12 @@
           </p:txBody>
         </p:sp>
       </p:grpSp>
-      <p:sp>
-        <p:nvSpPr>
-          <p:cNvPr id="190" name="TextBox 189">
+      <p:grpSp>
+        <p:nvGrpSpPr>
+          <p:cNvPr id="10" name="Group 9">
             <a:extLst>
               <a:ext uri="{FF2B5EF4-FFF2-40B4-BE49-F238E27FC236}">
-                <a16:creationId xmlns:a16="http://schemas.microsoft.com/office/drawing/2014/main" id="{456A582C-A7A7-45F6-A016-555DA935CED7}"/>
-              </a:ext>
-            </a:extLst>
-          </p:cNvPr>
-          <p:cNvSpPr txBox="1"/>
-          <p:nvPr/>
-        </p:nvSpPr>
-        <p:spPr>
-          <a:xfrm>
-            <a:off x="16675750" y="41743852"/>
-            <a:ext cx="13882937" cy="769441"/>
-          </a:xfrm>
-          <a:prstGeom prst="rect">
-            <a:avLst/>
-          </a:prstGeom>
-          <a:noFill/>
-        </p:spPr>
-        <p:txBody>
-          <a:bodyPr wrap="square" rtlCol="0">
-            <a:spAutoFit/>
-          </a:bodyPr>
-          <a:lstStyle/>
-          <a:p>
-            <a:r>
-              <a:rPr lang="en-IN" sz="2200" dirty="0"/>
-              <a:t>Pseudocode described above is to give a basic idea of the algorithm. It does not cover all the cases, for more        information please refer to GitHub.</a:t>
-            </a:r>
-          </a:p>
-        </p:txBody>
-      </p:sp>
-      <p:sp>
-        <p:nvSpPr>
-          <p:cNvPr id="60" name="TextBox 59">
-            <a:extLst>
-              <a:ext uri="{FF2B5EF4-FFF2-40B4-BE49-F238E27FC236}">
-                <a16:creationId xmlns:a16="http://schemas.microsoft.com/office/drawing/2014/main" id="{11992103-AB27-4811-B224-B698FD8096E6}"/>
-              </a:ext>
-            </a:extLst>
-          </p:cNvPr>
-          <p:cNvSpPr txBox="1"/>
-          <p:nvPr/>
-        </p:nvSpPr>
-        <p:spPr>
-          <a:xfrm>
-            <a:off x="16444970" y="41659846"/>
-            <a:ext cx="461559" cy="584775"/>
-          </a:xfrm>
-          <a:prstGeom prst="rect">
-            <a:avLst/>
-          </a:prstGeom>
-          <a:noFill/>
-        </p:spPr>
-        <p:txBody>
-          <a:bodyPr wrap="square" rtlCol="0">
-            <a:spAutoFit/>
-          </a:bodyPr>
-          <a:lstStyle/>
-          <a:p>
-            <a:r>
-              <a:rPr lang="en-IN" sz="3200" dirty="0">
-                <a:solidFill>
-                  <a:srgbClr val="F6416C"/>
-                </a:solidFill>
-              </a:rPr>
-              <a:t>!</a:t>
-            </a:r>
-          </a:p>
-        </p:txBody>
-      </p:sp>
-      <p:grpSp>
-        <p:nvGrpSpPr>
-          <p:cNvPr id="99" name="Group 98">
-            <a:extLst>
-              <a:ext uri="{FF2B5EF4-FFF2-40B4-BE49-F238E27FC236}">
-                <a16:creationId xmlns:a16="http://schemas.microsoft.com/office/drawing/2014/main" id="{BB102D2F-CCC0-4D07-9E4E-225C88A2849C}"/>
+                <a16:creationId xmlns:a16="http://schemas.microsoft.com/office/drawing/2014/main" id="{ABC83E04-C988-4174-BA83-DE180F929AA3}"/>
               </a:ext>
             </a:extLst>
           </p:cNvPr>
@@ -14776,53 +14392,18 @@
         </p:nvGrpSpPr>
         <p:grpSpPr>
           <a:xfrm>
-            <a:off x="1118278" y="32223640"/>
-            <a:ext cx="4572390" cy="4649313"/>
-            <a:chOff x="1010468" y="32536230"/>
-            <a:chExt cx="4572390" cy="4649313"/>
+            <a:off x="16020591" y="41727254"/>
+            <a:ext cx="13900184" cy="802367"/>
+            <a:chOff x="16434692" y="41643248"/>
+            <a:chExt cx="14136946" cy="802367"/>
           </a:xfrm>
         </p:grpSpPr>
-        <p:pic>
-          <p:nvPicPr>
-            <p:cNvPr id="48" name="Picture 47">
+        <p:sp>
+          <p:nvSpPr>
+            <p:cNvPr id="190" name="TextBox 189">
               <a:extLst>
                 <a:ext uri="{FF2B5EF4-FFF2-40B4-BE49-F238E27FC236}">
-                  <a16:creationId xmlns:a16="http://schemas.microsoft.com/office/drawing/2014/main" id="{17E1814A-3E2A-4E79-ADC7-85A7AF8002FF}"/>
-                </a:ext>
-              </a:extLst>
-            </p:cNvPr>
-            <p:cNvPicPr>
-              <a:picLocks noChangeAspect="1"/>
-            </p:cNvPicPr>
-            <p:nvPr/>
-          </p:nvPicPr>
-          <p:blipFill rotWithShape="1">
-            <a:blip r:embed="rId23">
-              <a:extLst>
-                <a:ext uri="{28A0092B-C50C-407E-A947-70E740481C1C}">
-                  <a14:useLocalDpi xmlns:a14="http://schemas.microsoft.com/office/drawing/2010/main" val="0"/>
-                </a:ext>
-              </a:extLst>
-            </a:blip>
-            <a:srcRect l="2699" t="4478" r="1771" b="3196"/>
-            <a:stretch/>
-          </p:blipFill>
-          <p:spPr>
-            <a:xfrm>
-              <a:off x="1010468" y="32536230"/>
-              <a:ext cx="4572390" cy="4649313"/>
-            </a:xfrm>
-            <a:prstGeom prst="rect">
-              <a:avLst/>
-            </a:prstGeom>
-          </p:spPr>
-        </p:pic>
-        <p:sp>
-          <p:nvSpPr>
-            <p:cNvPr id="61" name="TextBox 60">
-              <a:extLst>
-                <a:ext uri="{FF2B5EF4-FFF2-40B4-BE49-F238E27FC236}">
-                  <a16:creationId xmlns:a16="http://schemas.microsoft.com/office/drawing/2014/main" id="{DB2BB718-FA31-4A58-97D0-392A6264418C}"/>
+                  <a16:creationId xmlns:a16="http://schemas.microsoft.com/office/drawing/2014/main" id="{456A582C-A7A7-45F6-A016-555DA935CED7}"/>
                 </a:ext>
               </a:extLst>
             </p:cNvPr>
@@ -14831,8 +14412,8 @@
           </p:nvSpPr>
           <p:spPr>
             <a:xfrm>
-              <a:off x="1353367" y="33302623"/>
-              <a:ext cx="1718514" cy="400110"/>
+              <a:off x="16688701" y="41676174"/>
+              <a:ext cx="13882937" cy="769441"/>
             </a:xfrm>
             <a:prstGeom prst="rect">
               <a:avLst/>
@@ -14846,17 +14427,91 @@
             <a:lstStyle/>
             <a:p>
               <a:r>
-                <a:rPr lang="en-IN" sz="2000" dirty="0">
+                <a:rPr lang="en-IN" sz="2200" dirty="0"/>
+                <a:t>Pseudocode described above is to give a basic idea of the algorithm. It does not cover all the cases, for more        information please refer to GitHub.</a:t>
+              </a:r>
+            </a:p>
+          </p:txBody>
+        </p:sp>
+        <p:sp>
+          <p:nvSpPr>
+            <p:cNvPr id="60" name="TextBox 59">
+              <a:extLst>
+                <a:ext uri="{FF2B5EF4-FFF2-40B4-BE49-F238E27FC236}">
+                  <a16:creationId xmlns:a16="http://schemas.microsoft.com/office/drawing/2014/main" id="{11992103-AB27-4811-B224-B698FD8096E6}"/>
+                </a:ext>
+              </a:extLst>
+            </p:cNvPr>
+            <p:cNvSpPr txBox="1"/>
+            <p:nvPr/>
+          </p:nvSpPr>
+          <p:spPr>
+            <a:xfrm>
+              <a:off x="16434692" y="41643248"/>
+              <a:ext cx="461559" cy="584775"/>
+            </a:xfrm>
+            <a:prstGeom prst="rect">
+              <a:avLst/>
+            </a:prstGeom>
+            <a:noFill/>
+          </p:spPr>
+          <p:txBody>
+            <a:bodyPr wrap="square" rtlCol="0">
+              <a:spAutoFit/>
+            </a:bodyPr>
+            <a:lstStyle/>
+            <a:p>
+              <a:r>
+                <a:rPr lang="en-IN" sz="3200" dirty="0">
                   <a:solidFill>
                     <a:srgbClr val="F6416C"/>
                   </a:solidFill>
                 </a:rPr>
-                <a:t>Deleted edge</a:t>
+                <a:t>!</a:t>
               </a:r>
             </a:p>
           </p:txBody>
         </p:sp>
       </p:grpSp>
+      <p:sp>
+        <p:nvSpPr>
+          <p:cNvPr id="61" name="TextBox 60">
+            <a:extLst>
+              <a:ext uri="{FF2B5EF4-FFF2-40B4-BE49-F238E27FC236}">
+                <a16:creationId xmlns:a16="http://schemas.microsoft.com/office/drawing/2014/main" id="{DB2BB718-FA31-4A58-97D0-392A6264418C}"/>
+              </a:ext>
+            </a:extLst>
+          </p:cNvPr>
+          <p:cNvSpPr txBox="1"/>
+          <p:nvPr/>
+        </p:nvSpPr>
+        <p:spPr>
+          <a:xfrm>
+            <a:off x="1366082" y="32964566"/>
+            <a:ext cx="1718514" cy="400110"/>
+          </a:xfrm>
+          <a:prstGeom prst="rect">
+            <a:avLst/>
+          </a:prstGeom>
+          <a:noFill/>
+        </p:spPr>
+        <p:txBody>
+          <a:bodyPr wrap="square" rtlCol="0">
+            <a:spAutoFit/>
+          </a:bodyPr>
+          <a:lstStyle/>
+          <a:p>
+            <a:r>
+              <a:rPr lang="en-IN" sz="2000" dirty="0">
+                <a:solidFill>
+                  <a:srgbClr val="F6416C"/>
+                </a:solidFill>
+              </a:rPr>
+              <a:t>Deleted edge</a:t>
+            </a:r>
+          </a:p>
+        </p:txBody>
+      </p:sp>
       <p:sp>
         <p:nvSpPr>
           <p:cNvPr id="186" name="TextBox 185">
@@ -14925,6 +14580,358 @@
               <a:rPr lang="en-IN" sz="2200" dirty="0"/>
               <a:t>Fig 6: Comparison b/w static A* and dynamic A* on solving 5000 x 5000 maze</a:t>
             </a:r>
+          </a:p>
+        </p:txBody>
+      </p:sp>
+      <p:sp>
+        <p:nvSpPr>
+          <p:cNvPr id="180" name="TextBox 179">
+            <a:extLst>
+              <a:ext uri="{FF2B5EF4-FFF2-40B4-BE49-F238E27FC236}">
+                <a16:creationId xmlns:a16="http://schemas.microsoft.com/office/drawing/2014/main" id="{3289E757-C028-424D-B2BF-519171B63B34}"/>
+              </a:ext>
+            </a:extLst>
+          </p:cNvPr>
+          <p:cNvSpPr txBox="1"/>
+          <p:nvPr/>
+        </p:nvSpPr>
+        <p:spPr>
+          <a:xfrm>
+            <a:off x="7366130" y="17876018"/>
+            <a:ext cx="6730395" cy="4862870"/>
+          </a:xfrm>
+          <a:prstGeom prst="rect">
+            <a:avLst/>
+          </a:prstGeom>
+          <a:noFill/>
+        </p:spPr>
+        <p:txBody>
+          <a:bodyPr wrap="square" rtlCol="0">
+            <a:spAutoFit/>
+          </a:bodyPr>
+          <a:lstStyle/>
+          <a:p>
+            <a:pPr marL="457200" indent="-457200">
+              <a:buFontTx/>
+              <a:buAutoNum type="arabicPeriod"/>
+            </a:pPr>
+            <a:r>
+              <a:rPr lang="en-IN" sz="2600" dirty="0">
+                <a:solidFill>
+                  <a:schemeClr val="accent6">
+                    <a:lumMod val="75000"/>
+                  </a:schemeClr>
+                </a:solidFill>
+                <a:latin typeface="Arial" panose="020B0604020202020204" pitchFamily="34" charset="0"/>
+                <a:cs typeface="Arial" panose="020B0604020202020204" pitchFamily="34" charset="0"/>
+              </a:rPr>
+              <a:t>For edges(u, v) inserted, add node v to       	update_list, if f(v)</a:t>
+            </a:r>
+            <a:r>
+              <a:rPr lang="en-IN" sz="2600" baseline="-25000" dirty="0">
+                <a:solidFill>
+                  <a:schemeClr val="accent6">
+                    <a:lumMod val="75000"/>
+                  </a:schemeClr>
+                </a:solidFill>
+                <a:latin typeface="Arial" panose="020B0604020202020204" pitchFamily="34" charset="0"/>
+                <a:cs typeface="Arial" panose="020B0604020202020204" pitchFamily="34" charset="0"/>
+              </a:rPr>
+              <a:t>new</a:t>
+            </a:r>
+            <a:r>
+              <a:rPr lang="en-IN" sz="2600" dirty="0">
+                <a:solidFill>
+                  <a:schemeClr val="accent6">
+                    <a:lumMod val="75000"/>
+                  </a:schemeClr>
+                </a:solidFill>
+                <a:latin typeface="Arial" panose="020B0604020202020204" pitchFamily="34" charset="0"/>
+                <a:cs typeface="Arial" panose="020B0604020202020204" pitchFamily="34" charset="0"/>
+              </a:rPr>
+              <a:t> &lt; f(v)</a:t>
+            </a:r>
+            <a:r>
+              <a:rPr lang="en-IN" sz="2600" baseline="-25000" dirty="0">
+                <a:solidFill>
+                  <a:schemeClr val="accent6">
+                    <a:lumMod val="75000"/>
+                  </a:schemeClr>
+                </a:solidFill>
+                <a:latin typeface="Arial" panose="020B0604020202020204" pitchFamily="34" charset="0"/>
+                <a:cs typeface="Arial" panose="020B0604020202020204" pitchFamily="34" charset="0"/>
+              </a:rPr>
+              <a:t>old</a:t>
+            </a:r>
+            <a:r>
+              <a:rPr lang="en-IN" sz="2600" dirty="0">
+                <a:solidFill>
+                  <a:schemeClr val="accent6">
+                    <a:lumMod val="75000"/>
+                  </a:schemeClr>
+                </a:solidFill>
+                <a:latin typeface="Arial" panose="020B0604020202020204" pitchFamily="34" charset="0"/>
+                <a:cs typeface="Arial" panose="020B0604020202020204" pitchFamily="34" charset="0"/>
+              </a:rPr>
+              <a:t>.</a:t>
+            </a:r>
+          </a:p>
+          <a:p>
+            <a:pPr marL="457200" indent="-457200">
+              <a:buFontTx/>
+              <a:buAutoNum type="arabicPeriod"/>
+            </a:pPr>
+            <a:r>
+              <a:rPr lang="en-IN" sz="2600" dirty="0">
+                <a:solidFill>
+                  <a:schemeClr val="accent6">
+                    <a:lumMod val="75000"/>
+                  </a:schemeClr>
+                </a:solidFill>
+                <a:latin typeface="Arial" panose="020B0604020202020204" pitchFamily="34" charset="0"/>
+                <a:cs typeface="Arial" panose="020B0604020202020204" pitchFamily="34" charset="0"/>
+              </a:rPr>
+              <a:t>While update_list not empty:</a:t>
+            </a:r>
+          </a:p>
+          <a:p>
+            <a:pPr lvl="1"/>
+            <a:r>
+              <a:rPr lang="en-IN" sz="2600" dirty="0">
+                <a:solidFill>
+                  <a:schemeClr val="accent6">
+                    <a:lumMod val="75000"/>
+                  </a:schemeClr>
+                </a:solidFill>
+                <a:latin typeface="Arial" panose="020B0604020202020204" pitchFamily="34" charset="0"/>
+                <a:cs typeface="Arial" panose="020B0604020202020204" pitchFamily="34" charset="0"/>
+              </a:rPr>
+              <a:t>a. Extract node n from update_list.</a:t>
+            </a:r>
+          </a:p>
+          <a:p>
+            <a:r>
+              <a:rPr lang="en-IN" sz="2600" dirty="0">
+                <a:solidFill>
+                  <a:schemeClr val="accent6">
+                    <a:lumMod val="75000"/>
+                  </a:schemeClr>
+                </a:solidFill>
+                <a:latin typeface="Arial" panose="020B0604020202020204" pitchFamily="34" charset="0"/>
+                <a:cs typeface="Arial" panose="020B0604020202020204" pitchFamily="34" charset="0"/>
+              </a:rPr>
+              <a:t>	b. For each child of n:</a:t>
+            </a:r>
+          </a:p>
+          <a:p>
+            <a:r>
+              <a:rPr lang="en-IN" sz="2600" dirty="0">
+                <a:solidFill>
+                  <a:schemeClr val="accent6">
+                    <a:lumMod val="75000"/>
+                  </a:schemeClr>
+                </a:solidFill>
+                <a:latin typeface="Arial" panose="020B0604020202020204" pitchFamily="34" charset="0"/>
+                <a:cs typeface="Arial" panose="020B0604020202020204" pitchFamily="34" charset="0"/>
+              </a:rPr>
+              <a:t>		</a:t>
+            </a:r>
+            <a:r>
+              <a:rPr lang="en-IN" sz="2600" dirty="0" err="1">
+                <a:solidFill>
+                  <a:schemeClr val="accent6">
+                    <a:lumMod val="75000"/>
+                  </a:schemeClr>
+                </a:solidFill>
+                <a:latin typeface="Arial" panose="020B0604020202020204" pitchFamily="34" charset="0"/>
+                <a:cs typeface="Arial" panose="020B0604020202020204" pitchFamily="34" charset="0"/>
+              </a:rPr>
+              <a:t>i</a:t>
+            </a:r>
+            <a:r>
+              <a:rPr lang="en-IN" sz="2600" dirty="0">
+                <a:solidFill>
+                  <a:schemeClr val="accent6">
+                    <a:lumMod val="75000"/>
+                  </a:schemeClr>
+                </a:solidFill>
+                <a:latin typeface="Arial" panose="020B0604020202020204" pitchFamily="34" charset="0"/>
+                <a:cs typeface="Arial" panose="020B0604020202020204" pitchFamily="34" charset="0"/>
+              </a:rPr>
+              <a:t>. </a:t>
+            </a:r>
+            <a:r>
+              <a:rPr lang="en-IN" sz="2600" b="1" dirty="0">
+                <a:solidFill>
+                  <a:schemeClr val="accent6">
+                    <a:lumMod val="75000"/>
+                  </a:schemeClr>
+                </a:solidFill>
+                <a:latin typeface="Arial" panose="020B0604020202020204" pitchFamily="34" charset="0"/>
+                <a:cs typeface="Arial" panose="020B0604020202020204" pitchFamily="34" charset="0"/>
+              </a:rPr>
+              <a:t>lock(child)</a:t>
+            </a:r>
+          </a:p>
+          <a:p>
+            <a:r>
+              <a:rPr lang="en-IN" sz="2600" dirty="0">
+                <a:solidFill>
+                  <a:schemeClr val="accent6">
+                    <a:lumMod val="75000"/>
+                  </a:schemeClr>
+                </a:solidFill>
+                <a:latin typeface="Arial" panose="020B0604020202020204" pitchFamily="34" charset="0"/>
+                <a:cs typeface="Arial" panose="020B0604020202020204" pitchFamily="34" charset="0"/>
+              </a:rPr>
+              <a:t>		ii. if f(child)</a:t>
+            </a:r>
+            <a:r>
+              <a:rPr lang="en-IN" sz="2600" baseline="-25000" dirty="0">
+                <a:solidFill>
+                  <a:schemeClr val="accent6">
+                    <a:lumMod val="75000"/>
+                  </a:schemeClr>
+                </a:solidFill>
+                <a:latin typeface="Arial" panose="020B0604020202020204" pitchFamily="34" charset="0"/>
+                <a:cs typeface="Arial" panose="020B0604020202020204" pitchFamily="34" charset="0"/>
+              </a:rPr>
+              <a:t>new</a:t>
+            </a:r>
+            <a:r>
+              <a:rPr lang="en-IN" sz="2600" dirty="0">
+                <a:solidFill>
+                  <a:schemeClr val="accent6">
+                    <a:lumMod val="75000"/>
+                  </a:schemeClr>
+                </a:solidFill>
+                <a:latin typeface="Arial" panose="020B0604020202020204" pitchFamily="34" charset="0"/>
+                <a:cs typeface="Arial" panose="020B0604020202020204" pitchFamily="34" charset="0"/>
+              </a:rPr>
+              <a:t>&lt; f(child)</a:t>
+            </a:r>
+            <a:r>
+              <a:rPr lang="en-IN" sz="2600" baseline="-25000" dirty="0">
+                <a:solidFill>
+                  <a:schemeClr val="accent6">
+                    <a:lumMod val="75000"/>
+                  </a:schemeClr>
+                </a:solidFill>
+                <a:latin typeface="Arial" panose="020B0604020202020204" pitchFamily="34" charset="0"/>
+                <a:cs typeface="Arial" panose="020B0604020202020204" pitchFamily="34" charset="0"/>
+              </a:rPr>
+              <a:t>old</a:t>
+            </a:r>
+            <a:r>
+              <a:rPr lang="en-IN" sz="2600" dirty="0">
+                <a:solidFill>
+                  <a:schemeClr val="accent6">
+                    <a:lumMod val="75000"/>
+                  </a:schemeClr>
+                </a:solidFill>
+                <a:latin typeface="Arial" panose="020B0604020202020204" pitchFamily="34" charset="0"/>
+                <a:cs typeface="Arial" panose="020B0604020202020204" pitchFamily="34" charset="0"/>
+              </a:rPr>
+              <a:t>, add child</a:t>
+            </a:r>
+          </a:p>
+          <a:p>
+            <a:r>
+              <a:rPr lang="en-IN" sz="2600" dirty="0">
+                <a:solidFill>
+                  <a:schemeClr val="accent6">
+                    <a:lumMod val="75000"/>
+                  </a:schemeClr>
+                </a:solidFill>
+                <a:latin typeface="Arial" panose="020B0604020202020204" pitchFamily="34" charset="0"/>
+                <a:cs typeface="Arial" panose="020B0604020202020204" pitchFamily="34" charset="0"/>
+              </a:rPr>
+              <a:t>			to update_list.</a:t>
+            </a:r>
+          </a:p>
+          <a:p>
+            <a:r>
+              <a:rPr lang="en-IN" sz="2600" dirty="0">
+                <a:solidFill>
+                  <a:schemeClr val="accent6">
+                    <a:lumMod val="75000"/>
+                  </a:schemeClr>
+                </a:solidFill>
+                <a:latin typeface="Arial" panose="020B0604020202020204" pitchFamily="34" charset="0"/>
+                <a:cs typeface="Arial" panose="020B0604020202020204" pitchFamily="34" charset="0"/>
+              </a:rPr>
+              <a:t>		iii. </a:t>
+            </a:r>
+            <a:r>
+              <a:rPr lang="en-IN" sz="2600" b="1" dirty="0">
+                <a:solidFill>
+                  <a:schemeClr val="accent6">
+                    <a:lumMod val="75000"/>
+                  </a:schemeClr>
+                </a:solidFill>
+                <a:latin typeface="Arial" panose="020B0604020202020204" pitchFamily="34" charset="0"/>
+                <a:cs typeface="Arial" panose="020B0604020202020204" pitchFamily="34" charset="0"/>
+              </a:rPr>
+              <a:t>unlock(child)</a:t>
+            </a:r>
+          </a:p>
+          <a:p>
+            <a:endParaRPr lang="en-IN" sz="2600" b="1" dirty="0">
+              <a:solidFill>
+                <a:schemeClr val="accent6">
+                  <a:lumMod val="75000"/>
+                </a:schemeClr>
+              </a:solidFill>
+              <a:latin typeface="Arial" panose="020B0604020202020204" pitchFamily="34" charset="0"/>
+              <a:cs typeface="Arial" panose="020B0604020202020204" pitchFamily="34" charset="0"/>
+            </a:endParaRPr>
+          </a:p>
+          <a:p>
+            <a:r>
+              <a:rPr lang="en-IN" sz="2400" b="1" dirty="0">
+                <a:solidFill>
+                  <a:schemeClr val="accent6">
+                    <a:lumMod val="75000"/>
+                  </a:schemeClr>
+                </a:solidFill>
+                <a:latin typeface="Arial" panose="020B0604020202020204" pitchFamily="34" charset="0"/>
+                <a:cs typeface="Arial" panose="020B0604020202020204" pitchFamily="34" charset="0"/>
+              </a:rPr>
+              <a:t>f(v)</a:t>
+            </a:r>
+            <a:r>
+              <a:rPr lang="en-IN" sz="2400" dirty="0">
+                <a:solidFill>
+                  <a:schemeClr val="accent6">
+                    <a:lumMod val="75000"/>
+                  </a:schemeClr>
+                </a:solidFill>
+                <a:latin typeface="Arial" panose="020B0604020202020204" pitchFamily="34" charset="0"/>
+                <a:cs typeface="Arial" panose="020B0604020202020204" pitchFamily="34" charset="0"/>
+              </a:rPr>
+              <a:t>: cost from source to v + heuristics value of v</a:t>
+            </a:r>
+            <a:endParaRPr lang="en-IN" sz="2400" b="1" dirty="0">
+              <a:solidFill>
+                <a:schemeClr val="accent6">
+                  <a:lumMod val="75000"/>
+                </a:schemeClr>
+              </a:solidFill>
+              <a:latin typeface="Arial" panose="020B0604020202020204" pitchFamily="34" charset="0"/>
+              <a:cs typeface="Arial" panose="020B0604020202020204" pitchFamily="34" charset="0"/>
+            </a:endParaRPr>
+          </a:p>
+          <a:p>
+            <a:pPr lvl="1"/>
+            <a:endParaRPr lang="en-IN" sz="2600" dirty="0">
+              <a:solidFill>
+                <a:schemeClr val="accent6">
+                  <a:lumMod val="75000"/>
+                </a:schemeClr>
+              </a:solidFill>
+              <a:latin typeface="Arial" panose="020B0604020202020204" pitchFamily="34" charset="0"/>
+              <a:cs typeface="Arial" panose="020B0604020202020204" pitchFamily="34" charset="0"/>
+            </a:endParaRPr>
           </a:p>
         </p:txBody>
       </p:sp>
